--- a/Controls/Controls Scratchpad.pptx
+++ b/Controls/Controls Scratchpad.pptx
@@ -123,13 +123,460 @@
 <file path=ppt/revisionInfo.xml><?xml version="1.0" encoding="utf-8"?>
 <p1510:revInfo xmlns:a="http://schemas.openxmlformats.org/drawingml/2006/main" xmlns:r="http://schemas.openxmlformats.org/officeDocument/2006/relationships" xmlns:p1510="http://schemas.microsoft.com/office/powerpoint/2015/10/main">
   <p1510:revLst>
-    <p1510:client id="{54B98751-AE4C-4552-87FE-2AA70D0D179A}" v="112" dt="2022-03-15T01:04:24.229"/>
+    <p1510:client id="{6735E3AF-FE10-4173-80B1-D72B6282476D}" v="44" dt="2022-07-10T18:18:56.547"/>
   </p1510:revLst>
 </p1510:revInfo>
 </file>
 
 <file path=ppt/changesInfos/changesInfo1.xml><?xml version="1.0" encoding="utf-8"?>
 <pc:chgInfo xmlns:a="http://schemas.openxmlformats.org/drawingml/2006/main" xmlns:r="http://schemas.openxmlformats.org/officeDocument/2006/relationships" xmlns:ac="http://schemas.microsoft.com/office/drawing/2013/main/command" xmlns:pc="http://schemas.microsoft.com/office/powerpoint/2013/main/command">
+  <pc:docChgLst>
+    <pc:chgData name="Emily Griffen" userId="98bd71e6b8c85082" providerId="LiveId" clId="{6735E3AF-FE10-4173-80B1-D72B6282476D}"/>
+    <pc:docChg chg="undo custSel modSld">
+      <pc:chgData name="Emily Griffen" userId="98bd71e6b8c85082" providerId="LiveId" clId="{6735E3AF-FE10-4173-80B1-D72B6282476D}" dt="2022-07-18T17:43:34.712" v="647" actId="20577"/>
+      <pc:docMkLst>
+        <pc:docMk/>
+      </pc:docMkLst>
+      <pc:sldChg chg="addSp delSp modSp mod">
+        <pc:chgData name="Emily Griffen" userId="98bd71e6b8c85082" providerId="LiveId" clId="{6735E3AF-FE10-4173-80B1-D72B6282476D}" dt="2022-07-10T22:06:12.399" v="265" actId="14100"/>
+        <pc:sldMkLst>
+          <pc:docMk/>
+          <pc:sldMk cId="2383051560" sldId="262"/>
+        </pc:sldMkLst>
+        <pc:spChg chg="del">
+          <ac:chgData name="Emily Griffen" userId="98bd71e6b8c85082" providerId="LiveId" clId="{6735E3AF-FE10-4173-80B1-D72B6282476D}" dt="2022-07-10T17:48:36.900" v="2" actId="478"/>
+          <ac:spMkLst>
+            <pc:docMk/>
+            <pc:sldMk cId="2383051560" sldId="262"/>
+            <ac:spMk id="3" creationId="{847359FE-E694-450E-A67E-FF1CE2B92ED8}"/>
+          </ac:spMkLst>
+        </pc:spChg>
+        <pc:spChg chg="add mod">
+          <ac:chgData name="Emily Griffen" userId="98bd71e6b8c85082" providerId="LiveId" clId="{6735E3AF-FE10-4173-80B1-D72B6282476D}" dt="2022-07-10T17:48:42.660" v="3" actId="207"/>
+          <ac:spMkLst>
+            <pc:docMk/>
+            <pc:sldMk cId="2383051560" sldId="262"/>
+            <ac:spMk id="4" creationId="{6C21FF9A-6A40-651B-CF47-49ECC8FF790A}"/>
+          </ac:spMkLst>
+        </pc:spChg>
+        <pc:spChg chg="add mod">
+          <ac:chgData name="Emily Griffen" userId="98bd71e6b8c85082" providerId="LiveId" clId="{6735E3AF-FE10-4173-80B1-D72B6282476D}" dt="2022-07-10T17:48:53.146" v="6" actId="1076"/>
+          <ac:spMkLst>
+            <pc:docMk/>
+            <pc:sldMk cId="2383051560" sldId="262"/>
+            <ac:spMk id="5" creationId="{EA03D12E-087D-E742-3314-B63C546816E4}"/>
+          </ac:spMkLst>
+        </pc:spChg>
+        <pc:spChg chg="add mod">
+          <ac:chgData name="Emily Griffen" userId="98bd71e6b8c85082" providerId="LiveId" clId="{6735E3AF-FE10-4173-80B1-D72B6282476D}" dt="2022-07-10T22:06:12.399" v="265" actId="14100"/>
+          <ac:spMkLst>
+            <pc:docMk/>
+            <pc:sldMk cId="2383051560" sldId="262"/>
+            <ac:spMk id="6" creationId="{E0A58DB2-7BF8-85A0-A44D-BAEBEE1932AE}"/>
+          </ac:spMkLst>
+        </pc:spChg>
+        <pc:spChg chg="add mod">
+          <ac:chgData name="Emily Griffen" userId="98bd71e6b8c85082" providerId="LiveId" clId="{6735E3AF-FE10-4173-80B1-D72B6282476D}" dt="2022-07-10T18:11:59.229" v="163" actId="14100"/>
+          <ac:spMkLst>
+            <pc:docMk/>
+            <pc:sldMk cId="2383051560" sldId="262"/>
+            <ac:spMk id="7" creationId="{AC731C59-BB4A-39D0-CDB8-C07ED00B0EB4}"/>
+          </ac:spMkLst>
+        </pc:spChg>
+        <pc:spChg chg="add mod ord">
+          <ac:chgData name="Emily Griffen" userId="98bd71e6b8c85082" providerId="LiveId" clId="{6735E3AF-FE10-4173-80B1-D72B6282476D}" dt="2022-07-10T18:01:36.128" v="118" actId="1076"/>
+          <ac:spMkLst>
+            <pc:docMk/>
+            <pc:sldMk cId="2383051560" sldId="262"/>
+            <ac:spMk id="8" creationId="{F085E0D7-FE23-BE1F-7A37-F1216C076348}"/>
+          </ac:spMkLst>
+        </pc:spChg>
+        <pc:spChg chg="add mod">
+          <ac:chgData name="Emily Griffen" userId="98bd71e6b8c85082" providerId="LiveId" clId="{6735E3AF-FE10-4173-80B1-D72B6282476D}" dt="2022-07-10T18:00:57.920" v="110" actId="14100"/>
+          <ac:spMkLst>
+            <pc:docMk/>
+            <pc:sldMk cId="2383051560" sldId="262"/>
+            <ac:spMk id="9" creationId="{92FB84EC-F998-6373-0028-43CE78D60B73}"/>
+          </ac:spMkLst>
+        </pc:spChg>
+        <pc:spChg chg="add mod">
+          <ac:chgData name="Emily Griffen" userId="98bd71e6b8c85082" providerId="LiveId" clId="{6735E3AF-FE10-4173-80B1-D72B6282476D}" dt="2022-07-10T18:00:53.855" v="109" actId="14100"/>
+          <ac:spMkLst>
+            <pc:docMk/>
+            <pc:sldMk cId="2383051560" sldId="262"/>
+            <ac:spMk id="10" creationId="{BE67AB65-2F85-AC65-B756-94B3BCDD51DE}"/>
+          </ac:spMkLst>
+        </pc:spChg>
+        <pc:spChg chg="add mod ord">
+          <ac:chgData name="Emily Griffen" userId="98bd71e6b8c85082" providerId="LiveId" clId="{6735E3AF-FE10-4173-80B1-D72B6282476D}" dt="2022-07-10T18:01:14.414" v="113" actId="1076"/>
+          <ac:spMkLst>
+            <pc:docMk/>
+            <pc:sldMk cId="2383051560" sldId="262"/>
+            <ac:spMk id="11" creationId="{F5D73812-E3ED-B224-1F23-050BD688C57B}"/>
+          </ac:spMkLst>
+        </pc:spChg>
+        <pc:spChg chg="add mod ord">
+          <ac:chgData name="Emily Griffen" userId="98bd71e6b8c85082" providerId="LiveId" clId="{6735E3AF-FE10-4173-80B1-D72B6282476D}" dt="2022-07-10T19:22:14.812" v="257" actId="20577"/>
+          <ac:spMkLst>
+            <pc:docMk/>
+            <pc:sldMk cId="2383051560" sldId="262"/>
+            <ac:spMk id="12" creationId="{78374FFA-48FF-7C43-59C7-2FEBA38D0CBD}"/>
+          </ac:spMkLst>
+        </pc:spChg>
+        <pc:spChg chg="add mod ord">
+          <ac:chgData name="Emily Griffen" userId="98bd71e6b8c85082" providerId="LiveId" clId="{6735E3AF-FE10-4173-80B1-D72B6282476D}" dt="2022-07-10T19:22:18.558" v="259" actId="20577"/>
+          <ac:spMkLst>
+            <pc:docMk/>
+            <pc:sldMk cId="2383051560" sldId="262"/>
+            <ac:spMk id="13" creationId="{B7046806-DC4A-BAAB-8F04-CCBC90C97584}"/>
+          </ac:spMkLst>
+        </pc:spChg>
+        <pc:spChg chg="add del mod">
+          <ac:chgData name="Emily Griffen" userId="98bd71e6b8c85082" providerId="LiveId" clId="{6735E3AF-FE10-4173-80B1-D72B6282476D}" dt="2022-07-10T17:58:32.044" v="90" actId="14100"/>
+          <ac:spMkLst>
+            <pc:docMk/>
+            <pc:sldMk cId="2383051560" sldId="262"/>
+            <ac:spMk id="21" creationId="{5BF7B9E1-6F66-3500-42AF-FCFF403B1694}"/>
+          </ac:spMkLst>
+        </pc:spChg>
+        <pc:spChg chg="add mod">
+          <ac:chgData name="Emily Griffen" userId="98bd71e6b8c85082" providerId="LiveId" clId="{6735E3AF-FE10-4173-80B1-D72B6282476D}" dt="2022-07-10T17:52:23.580" v="55" actId="14100"/>
+          <ac:spMkLst>
+            <pc:docMk/>
+            <pc:sldMk cId="2383051560" sldId="262"/>
+            <ac:spMk id="22" creationId="{5396A40B-F536-1E98-1F30-F2F339D104FF}"/>
+          </ac:spMkLst>
+        </pc:spChg>
+        <pc:spChg chg="add mod">
+          <ac:chgData name="Emily Griffen" userId="98bd71e6b8c85082" providerId="LiveId" clId="{6735E3AF-FE10-4173-80B1-D72B6282476D}" dt="2022-07-10T17:59:09.640" v="93" actId="14100"/>
+          <ac:spMkLst>
+            <pc:docMk/>
+            <pc:sldMk cId="2383051560" sldId="262"/>
+            <ac:spMk id="23" creationId="{67CD4312-2B17-BE2A-175E-29203835C272}"/>
+          </ac:spMkLst>
+        </pc:spChg>
+        <pc:spChg chg="add mod">
+          <ac:chgData name="Emily Griffen" userId="98bd71e6b8c85082" providerId="LiveId" clId="{6735E3AF-FE10-4173-80B1-D72B6282476D}" dt="2022-07-10T22:06:02.297" v="264" actId="1076"/>
+          <ac:spMkLst>
+            <pc:docMk/>
+            <pc:sldMk cId="2383051560" sldId="262"/>
+            <ac:spMk id="24" creationId="{5BB9B85F-92C7-0D29-FEA3-73CB3258D961}"/>
+          </ac:spMkLst>
+        </pc:spChg>
+        <pc:spChg chg="add mod">
+          <ac:chgData name="Emily Griffen" userId="98bd71e6b8c85082" providerId="LiveId" clId="{6735E3AF-FE10-4173-80B1-D72B6282476D}" dt="2022-07-10T18:06:55.181" v="123" actId="14100"/>
+          <ac:spMkLst>
+            <pc:docMk/>
+            <pc:sldMk cId="2383051560" sldId="262"/>
+            <ac:spMk id="25" creationId="{A1644BC4-F653-AED3-5034-108E70CB02C9}"/>
+          </ac:spMkLst>
+        </pc:spChg>
+        <pc:spChg chg="add mod">
+          <ac:chgData name="Emily Griffen" userId="98bd71e6b8c85082" providerId="LiveId" clId="{6735E3AF-FE10-4173-80B1-D72B6282476D}" dt="2022-07-10T18:06:58.683" v="124" actId="14100"/>
+          <ac:spMkLst>
+            <pc:docMk/>
+            <pc:sldMk cId="2383051560" sldId="262"/>
+            <ac:spMk id="26" creationId="{CC5ACA8E-4C0E-88D3-9D10-16CEF71FC382}"/>
+          </ac:spMkLst>
+        </pc:spChg>
+        <pc:spChg chg="add del mod">
+          <ac:chgData name="Emily Griffen" userId="98bd71e6b8c85082" providerId="LiveId" clId="{6735E3AF-FE10-4173-80B1-D72B6282476D}" dt="2022-07-10T17:56:52.334" v="80"/>
+          <ac:spMkLst>
+            <pc:docMk/>
+            <pc:sldMk cId="2383051560" sldId="262"/>
+            <ac:spMk id="27" creationId="{97D8C62B-74E8-4E04-405F-474C70B737D3}"/>
+          </ac:spMkLst>
+        </pc:spChg>
+        <pc:spChg chg="add mod">
+          <ac:chgData name="Emily Griffen" userId="98bd71e6b8c85082" providerId="LiveId" clId="{6735E3AF-FE10-4173-80B1-D72B6282476D}" dt="2022-07-10T18:07:08.721" v="127" actId="1076"/>
+          <ac:spMkLst>
+            <pc:docMk/>
+            <pc:sldMk cId="2383051560" sldId="262"/>
+            <ac:spMk id="28" creationId="{5978D228-C19D-A742-0C35-2BB07C64BD36}"/>
+          </ac:spMkLst>
+        </pc:spChg>
+        <pc:spChg chg="add mod">
+          <ac:chgData name="Emily Griffen" userId="98bd71e6b8c85082" providerId="LiveId" clId="{6735E3AF-FE10-4173-80B1-D72B6282476D}" dt="2022-07-10T18:07:02.194" v="125" actId="14100"/>
+          <ac:spMkLst>
+            <pc:docMk/>
+            <pc:sldMk cId="2383051560" sldId="262"/>
+            <ac:spMk id="29" creationId="{5003BD42-FBC4-A158-866D-D77EC73B40E2}"/>
+          </ac:spMkLst>
+        </pc:spChg>
+        <pc:spChg chg="add mod">
+          <ac:chgData name="Emily Griffen" userId="98bd71e6b8c85082" providerId="LiveId" clId="{6735E3AF-FE10-4173-80B1-D72B6282476D}" dt="2022-07-10T17:59:36.596" v="95" actId="1076"/>
+          <ac:spMkLst>
+            <pc:docMk/>
+            <pc:sldMk cId="2383051560" sldId="262"/>
+            <ac:spMk id="30" creationId="{781E3C8D-679C-6710-42CC-563E9470C854}"/>
+          </ac:spMkLst>
+        </pc:spChg>
+        <pc:spChg chg="add mod">
+          <ac:chgData name="Emily Griffen" userId="98bd71e6b8c85082" providerId="LiveId" clId="{6735E3AF-FE10-4173-80B1-D72B6282476D}" dt="2022-07-10T17:59:42.997" v="97" actId="1076"/>
+          <ac:spMkLst>
+            <pc:docMk/>
+            <pc:sldMk cId="2383051560" sldId="262"/>
+            <ac:spMk id="31" creationId="{1DC65BF1-53CA-6DD0-1657-7B41F84CFA63}"/>
+          </ac:spMkLst>
+        </pc:spChg>
+        <pc:spChg chg="add mod">
+          <ac:chgData name="Emily Griffen" userId="98bd71e6b8c85082" providerId="LiveId" clId="{6735E3AF-FE10-4173-80B1-D72B6282476D}" dt="2022-07-10T18:01:07.263" v="111" actId="1076"/>
+          <ac:spMkLst>
+            <pc:docMk/>
+            <pc:sldMk cId="2383051560" sldId="262"/>
+            <ac:spMk id="32" creationId="{5B0D5B3B-0CB8-A403-3CE1-C51C84D1E520}"/>
+          </ac:spMkLst>
+        </pc:spChg>
+        <pc:spChg chg="add mod">
+          <ac:chgData name="Emily Griffen" userId="98bd71e6b8c85082" providerId="LiveId" clId="{6735E3AF-FE10-4173-80B1-D72B6282476D}" dt="2022-07-10T18:01:26.702" v="116" actId="14100"/>
+          <ac:spMkLst>
+            <pc:docMk/>
+            <pc:sldMk cId="2383051560" sldId="262"/>
+            <ac:spMk id="33" creationId="{28368579-40F5-032E-034B-F788DAFE073B}"/>
+          </ac:spMkLst>
+        </pc:spChg>
+        <pc:spChg chg="add mod">
+          <ac:chgData name="Emily Griffen" userId="98bd71e6b8c85082" providerId="LiveId" clId="{6735E3AF-FE10-4173-80B1-D72B6282476D}" dt="2022-07-10T18:07:27.483" v="129" actId="1076"/>
+          <ac:spMkLst>
+            <pc:docMk/>
+            <pc:sldMk cId="2383051560" sldId="262"/>
+            <ac:spMk id="34" creationId="{D0984187-9E58-F3FF-92C5-8CC95B8AD90E}"/>
+          </ac:spMkLst>
+        </pc:spChg>
+        <pc:spChg chg="add mod">
+          <ac:chgData name="Emily Griffen" userId="98bd71e6b8c85082" providerId="LiveId" clId="{6735E3AF-FE10-4173-80B1-D72B6282476D}" dt="2022-07-10T18:07:52.119" v="133" actId="1076"/>
+          <ac:spMkLst>
+            <pc:docMk/>
+            <pc:sldMk cId="2383051560" sldId="262"/>
+            <ac:spMk id="35" creationId="{EE176FBB-E8AB-6B65-F54A-6CA54C0DF197}"/>
+          </ac:spMkLst>
+        </pc:spChg>
+        <pc:spChg chg="add del mod">
+          <ac:chgData name="Emily Griffen" userId="98bd71e6b8c85082" providerId="LiveId" clId="{6735E3AF-FE10-4173-80B1-D72B6282476D}" dt="2022-07-10T18:08:03.275" v="135"/>
+          <ac:spMkLst>
+            <pc:docMk/>
+            <pc:sldMk cId="2383051560" sldId="262"/>
+            <ac:spMk id="36" creationId="{6F9FEC4F-BAA4-9556-5CC5-5FFE38DCD342}"/>
+          </ac:spMkLst>
+        </pc:spChg>
+        <pc:spChg chg="add mod">
+          <ac:chgData name="Emily Griffen" userId="98bd71e6b8c85082" providerId="LiveId" clId="{6735E3AF-FE10-4173-80B1-D72B6282476D}" dt="2022-07-10T18:08:20.641" v="145" actId="1076"/>
+          <ac:spMkLst>
+            <pc:docMk/>
+            <pc:sldMk cId="2383051560" sldId="262"/>
+            <ac:spMk id="37" creationId="{22D113A1-F6F0-4483-1DC1-D6EC4932FF87}"/>
+          </ac:spMkLst>
+        </pc:spChg>
+        <pc:spChg chg="add mod">
+          <ac:chgData name="Emily Griffen" userId="98bd71e6b8c85082" providerId="LiveId" clId="{6735E3AF-FE10-4173-80B1-D72B6282476D}" dt="2022-07-10T18:08:27.775" v="155" actId="20577"/>
+          <ac:spMkLst>
+            <pc:docMk/>
+            <pc:sldMk cId="2383051560" sldId="262"/>
+            <ac:spMk id="38" creationId="{3A2FEBD5-6702-EF0A-D965-5F8265377B94}"/>
+          </ac:spMkLst>
+        </pc:spChg>
+        <pc:spChg chg="add mod">
+          <ac:chgData name="Emily Griffen" userId="98bd71e6b8c85082" providerId="LiveId" clId="{6735E3AF-FE10-4173-80B1-D72B6282476D}" dt="2022-07-10T18:09:27.880" v="160" actId="1076"/>
+          <ac:spMkLst>
+            <pc:docMk/>
+            <pc:sldMk cId="2383051560" sldId="262"/>
+            <ac:spMk id="39" creationId="{B161D3FC-2670-18BB-C100-C165A6B35835}"/>
+          </ac:spMkLst>
+        </pc:spChg>
+        <pc:spChg chg="add mod">
+          <ac:chgData name="Emily Griffen" userId="98bd71e6b8c85082" providerId="LiveId" clId="{6735E3AF-FE10-4173-80B1-D72B6282476D}" dt="2022-07-10T18:09:20.818" v="159" actId="1076"/>
+          <ac:spMkLst>
+            <pc:docMk/>
+            <pc:sldMk cId="2383051560" sldId="262"/>
+            <ac:spMk id="40" creationId="{C9A0EDEC-10F8-7CCF-7834-8F712EA82977}"/>
+          </ac:spMkLst>
+        </pc:spChg>
+        <pc:spChg chg="add mod">
+          <ac:chgData name="Emily Griffen" userId="98bd71e6b8c85082" providerId="LiveId" clId="{6735E3AF-FE10-4173-80B1-D72B6282476D}" dt="2022-07-10T18:09:40.099" v="162" actId="1076"/>
+          <ac:spMkLst>
+            <pc:docMk/>
+            <pc:sldMk cId="2383051560" sldId="262"/>
+            <ac:spMk id="41" creationId="{1704DC34-583A-DC3A-9727-DEB7E0C4749F}"/>
+          </ac:spMkLst>
+        </pc:spChg>
+        <pc:spChg chg="add mod">
+          <ac:chgData name="Emily Griffen" userId="98bd71e6b8c85082" providerId="LiveId" clId="{6735E3AF-FE10-4173-80B1-D72B6282476D}" dt="2022-07-10T18:12:17.994" v="167" actId="1076"/>
+          <ac:spMkLst>
+            <pc:docMk/>
+            <pc:sldMk cId="2383051560" sldId="262"/>
+            <ac:spMk id="42" creationId="{0E7B7632-2503-0198-7819-F26511CCA45B}"/>
+          </ac:spMkLst>
+        </pc:spChg>
+        <pc:spChg chg="add mod">
+          <ac:chgData name="Emily Griffen" userId="98bd71e6b8c85082" providerId="LiveId" clId="{6735E3AF-FE10-4173-80B1-D72B6282476D}" dt="2022-07-10T18:12:13.894" v="165" actId="1076"/>
+          <ac:spMkLst>
+            <pc:docMk/>
+            <pc:sldMk cId="2383051560" sldId="262"/>
+            <ac:spMk id="43" creationId="{FCAA7B43-4EC7-CDC2-938F-1739641433A0}"/>
+          </ac:spMkLst>
+        </pc:spChg>
+        <pc:spChg chg="add mod">
+          <ac:chgData name="Emily Griffen" userId="98bd71e6b8c85082" providerId="LiveId" clId="{6735E3AF-FE10-4173-80B1-D72B6282476D}" dt="2022-07-10T18:12:32.840" v="170" actId="1076"/>
+          <ac:spMkLst>
+            <pc:docMk/>
+            <pc:sldMk cId="2383051560" sldId="262"/>
+            <ac:spMk id="44" creationId="{D68F8E8B-4B83-D134-9B16-3B78DD8E8A8E}"/>
+          </ac:spMkLst>
+        </pc:spChg>
+        <pc:spChg chg="add mod">
+          <ac:chgData name="Emily Griffen" userId="98bd71e6b8c85082" providerId="LiveId" clId="{6735E3AF-FE10-4173-80B1-D72B6282476D}" dt="2022-07-10T18:14:17.181" v="184" actId="6549"/>
+          <ac:spMkLst>
+            <pc:docMk/>
+            <pc:sldMk cId="2383051560" sldId="262"/>
+            <ac:spMk id="45" creationId="{2E8F3C51-B1B4-DFA1-8172-B383553156E8}"/>
+          </ac:spMkLst>
+        </pc:spChg>
+        <pc:spChg chg="add mod">
+          <ac:chgData name="Emily Griffen" userId="98bd71e6b8c85082" providerId="LiveId" clId="{6735E3AF-FE10-4173-80B1-D72B6282476D}" dt="2022-07-10T18:14:27.007" v="188" actId="20577"/>
+          <ac:spMkLst>
+            <pc:docMk/>
+            <pc:sldMk cId="2383051560" sldId="262"/>
+            <ac:spMk id="46" creationId="{25F8B3F0-D609-F90F-E30B-0D9B8F4DDFDD}"/>
+          </ac:spMkLst>
+        </pc:spChg>
+        <pc:spChg chg="add mod">
+          <ac:chgData name="Emily Griffen" userId="98bd71e6b8c85082" providerId="LiveId" clId="{6735E3AF-FE10-4173-80B1-D72B6282476D}" dt="2022-07-10T18:14:43.018" v="191" actId="20577"/>
+          <ac:spMkLst>
+            <pc:docMk/>
+            <pc:sldMk cId="2383051560" sldId="262"/>
+            <ac:spMk id="47" creationId="{5AD604D5-B7CB-D534-89AA-9E88DB54BA16}"/>
+          </ac:spMkLst>
+        </pc:spChg>
+        <pc:spChg chg="add mod">
+          <ac:chgData name="Emily Griffen" userId="98bd71e6b8c85082" providerId="LiveId" clId="{6735E3AF-FE10-4173-80B1-D72B6282476D}" dt="2022-07-10T18:14:55.818" v="195" actId="1076"/>
+          <ac:spMkLst>
+            <pc:docMk/>
+            <pc:sldMk cId="2383051560" sldId="262"/>
+            <ac:spMk id="48" creationId="{F0B759D4-D918-4D8C-C85D-CEB18C72772D}"/>
+          </ac:spMkLst>
+        </pc:spChg>
+        <pc:spChg chg="add mod">
+          <ac:chgData name="Emily Griffen" userId="98bd71e6b8c85082" providerId="LiveId" clId="{6735E3AF-FE10-4173-80B1-D72B6282476D}" dt="2022-07-10T18:15:13.534" v="199" actId="20577"/>
+          <ac:spMkLst>
+            <pc:docMk/>
+            <pc:sldMk cId="2383051560" sldId="262"/>
+            <ac:spMk id="49" creationId="{95669FF7-1C2E-8AD0-2339-00EBFEB49449}"/>
+          </ac:spMkLst>
+        </pc:spChg>
+        <pc:spChg chg="add mod">
+          <ac:chgData name="Emily Griffen" userId="98bd71e6b8c85082" providerId="LiveId" clId="{6735E3AF-FE10-4173-80B1-D72B6282476D}" dt="2022-07-10T18:15:25.097" v="205" actId="20577"/>
+          <ac:spMkLst>
+            <pc:docMk/>
+            <pc:sldMk cId="2383051560" sldId="262"/>
+            <ac:spMk id="50" creationId="{1E4DA98A-445A-E6D1-37F2-34D505EAC9EF}"/>
+          </ac:spMkLst>
+        </pc:spChg>
+        <pc:spChg chg="add mod">
+          <ac:chgData name="Emily Griffen" userId="98bd71e6b8c85082" providerId="LiveId" clId="{6735E3AF-FE10-4173-80B1-D72B6282476D}" dt="2022-07-10T18:15:44.186" v="209" actId="20577"/>
+          <ac:spMkLst>
+            <pc:docMk/>
+            <pc:sldMk cId="2383051560" sldId="262"/>
+            <ac:spMk id="51" creationId="{F729F2A7-43D2-157C-D466-293C19C6918D}"/>
+          </ac:spMkLst>
+        </pc:spChg>
+        <pc:spChg chg="add mod">
+          <ac:chgData name="Emily Griffen" userId="98bd71e6b8c85082" providerId="LiveId" clId="{6735E3AF-FE10-4173-80B1-D72B6282476D}" dt="2022-07-10T18:15:54.342" v="215" actId="20577"/>
+          <ac:spMkLst>
+            <pc:docMk/>
+            <pc:sldMk cId="2383051560" sldId="262"/>
+            <ac:spMk id="52" creationId="{20D3B67E-A6E1-C65C-AD90-4B99266E8880}"/>
+          </ac:spMkLst>
+        </pc:spChg>
+        <pc:spChg chg="add mod">
+          <ac:chgData name="Emily Griffen" userId="98bd71e6b8c85082" providerId="LiveId" clId="{6735E3AF-FE10-4173-80B1-D72B6282476D}" dt="2022-07-10T18:16:20.368" v="219" actId="20577"/>
+          <ac:spMkLst>
+            <pc:docMk/>
+            <pc:sldMk cId="2383051560" sldId="262"/>
+            <ac:spMk id="53" creationId="{C7A36221-A9CE-C818-6141-4915819218FB}"/>
+          </ac:spMkLst>
+        </pc:spChg>
+        <pc:spChg chg="add mod">
+          <ac:chgData name="Emily Griffen" userId="98bd71e6b8c85082" providerId="LiveId" clId="{6735E3AF-FE10-4173-80B1-D72B6282476D}" dt="2022-07-10T18:16:37.128" v="225" actId="20577"/>
+          <ac:spMkLst>
+            <pc:docMk/>
+            <pc:sldMk cId="2383051560" sldId="262"/>
+            <ac:spMk id="54" creationId="{C3304E42-5AC4-C0A8-87EA-5439395591E7}"/>
+          </ac:spMkLst>
+        </pc:spChg>
+        <pc:spChg chg="add mod">
+          <ac:chgData name="Emily Griffen" userId="98bd71e6b8c85082" providerId="LiveId" clId="{6735E3AF-FE10-4173-80B1-D72B6282476D}" dt="2022-07-10T19:22:21.605" v="261" actId="20577"/>
+          <ac:spMkLst>
+            <pc:docMk/>
+            <pc:sldMk cId="2383051560" sldId="262"/>
+            <ac:spMk id="55" creationId="{30588141-7F7D-0458-B184-AE672BACBE8B}"/>
+          </ac:spMkLst>
+        </pc:spChg>
+        <pc:spChg chg="add mod">
+          <ac:chgData name="Emily Griffen" userId="98bd71e6b8c85082" providerId="LiveId" clId="{6735E3AF-FE10-4173-80B1-D72B6282476D}" dt="2022-07-10T19:22:24.740" v="263" actId="20577"/>
+          <ac:spMkLst>
+            <pc:docMk/>
+            <pc:sldMk cId="2383051560" sldId="262"/>
+            <ac:spMk id="56" creationId="{8E0B39DC-835A-2C79-54E6-74A481C655B1}"/>
+          </ac:spMkLst>
+        </pc:spChg>
+        <pc:spChg chg="add mod">
+          <ac:chgData name="Emily Griffen" userId="98bd71e6b8c85082" providerId="LiveId" clId="{6735E3AF-FE10-4173-80B1-D72B6282476D}" dt="2022-07-10T18:18:13.624" v="251" actId="207"/>
+          <ac:spMkLst>
+            <pc:docMk/>
+            <pc:sldMk cId="2383051560" sldId="262"/>
+            <ac:spMk id="57" creationId="{042E7171-6731-F15A-B934-1DEF0746FCD0}"/>
+          </ac:spMkLst>
+        </pc:spChg>
+        <pc:spChg chg="add mod">
+          <ac:chgData name="Emily Griffen" userId="98bd71e6b8c85082" providerId="LiveId" clId="{6735E3AF-FE10-4173-80B1-D72B6282476D}" dt="2022-07-10T18:19:07.788" v="255" actId="1076"/>
+          <ac:spMkLst>
+            <pc:docMk/>
+            <pc:sldMk cId="2383051560" sldId="262"/>
+            <ac:spMk id="58" creationId="{C62BDC02-0743-D490-107B-448503F34388}"/>
+          </ac:spMkLst>
+        </pc:spChg>
+        <pc:cxnChg chg="add mod">
+          <ac:chgData name="Emily Griffen" userId="98bd71e6b8c85082" providerId="LiveId" clId="{6735E3AF-FE10-4173-80B1-D72B6282476D}" dt="2022-07-10T17:51:31.636" v="44" actId="1076"/>
+          <ac:cxnSpMkLst>
+            <pc:docMk/>
+            <pc:sldMk cId="2383051560" sldId="262"/>
+            <ac:cxnSpMk id="15" creationId="{F3F2A8B3-494A-F8DB-E1B2-5A18636157CC}"/>
+          </ac:cxnSpMkLst>
+        </pc:cxnChg>
+        <pc:cxnChg chg="add mod">
+          <ac:chgData name="Emily Griffen" userId="98bd71e6b8c85082" providerId="LiveId" clId="{6735E3AF-FE10-4173-80B1-D72B6282476D}" dt="2022-07-10T17:51:42.564" v="45" actId="14100"/>
+          <ac:cxnSpMkLst>
+            <pc:docMk/>
+            <pc:sldMk cId="2383051560" sldId="262"/>
+            <ac:cxnSpMk id="16" creationId="{6F42A320-183F-9EB3-7071-736AFF571888}"/>
+          </ac:cxnSpMkLst>
+        </pc:cxnChg>
+      </pc:sldChg>
+      <pc:sldChg chg="addSp modSp mod">
+        <pc:chgData name="Emily Griffen" userId="98bd71e6b8c85082" providerId="LiveId" clId="{6735E3AF-FE10-4173-80B1-D72B6282476D}" dt="2022-07-18T17:43:34.712" v="647" actId="20577"/>
+        <pc:sldMkLst>
+          <pc:docMk/>
+          <pc:sldMk cId="3326571641" sldId="263"/>
+        </pc:sldMkLst>
+        <pc:spChg chg="mod">
+          <ac:chgData name="Emily Griffen" userId="98bd71e6b8c85082" providerId="LiveId" clId="{6735E3AF-FE10-4173-80B1-D72B6282476D}" dt="2022-07-18T17:43:34.712" v="647" actId="20577"/>
+          <ac:spMkLst>
+            <pc:docMk/>
+            <pc:sldMk cId="3326571641" sldId="263"/>
+            <ac:spMk id="3" creationId="{5E87FEBD-3280-48CE-88FF-1D13D35FDCBC}"/>
+          </ac:spMkLst>
+        </pc:spChg>
+        <pc:picChg chg="add mod">
+          <ac:chgData name="Emily Griffen" userId="98bd71e6b8c85082" providerId="LiveId" clId="{6735E3AF-FE10-4173-80B1-D72B6282476D}" dt="2022-07-18T17:42:41.705" v="606" actId="1076"/>
+          <ac:picMkLst>
+            <pc:docMk/>
+            <pc:sldMk cId="3326571641" sldId="263"/>
+            <ac:picMk id="5" creationId="{797C1C79-5399-E2D6-A334-C546273B7BCF}"/>
+          </ac:picMkLst>
+        </pc:picChg>
+      </pc:sldChg>
+    </pc:docChg>
+  </pc:docChgLst>
   <pc:docChgLst>
     <pc:chgData name="Emily Griffen" userId="98bd71e6b8c85082" providerId="Windows Live" clId="Web-{54B98751-AE4C-4552-87FE-2AA70D0D179A}"/>
     <pc:docChg chg="modSld">
@@ -312,7 +759,7 @@
           <a:p>
             <a:fld id="{B16B83B9-091F-4B77-B324-5CBDE339C31C}" type="datetimeFigureOut">
               <a:rPr lang="en-US" smtClean="0"/>
-              <a:t>3/14/2022</a:t>
+              <a:t>7/18/2022</a:t>
             </a:fld>
             <a:endParaRPr lang="en-US"/>
           </a:p>
@@ -510,7 +957,7 @@
           <a:p>
             <a:fld id="{B16B83B9-091F-4B77-B324-5CBDE339C31C}" type="datetimeFigureOut">
               <a:rPr lang="en-US" smtClean="0"/>
-              <a:t>3/14/2022</a:t>
+              <a:t>7/18/2022</a:t>
             </a:fld>
             <a:endParaRPr lang="en-US"/>
           </a:p>
@@ -718,7 +1165,7 @@
           <a:p>
             <a:fld id="{B16B83B9-091F-4B77-B324-5CBDE339C31C}" type="datetimeFigureOut">
               <a:rPr lang="en-US" smtClean="0"/>
-              <a:t>3/14/2022</a:t>
+              <a:t>7/18/2022</a:t>
             </a:fld>
             <a:endParaRPr lang="en-US"/>
           </a:p>
@@ -916,7 +1363,7 @@
           <a:p>
             <a:fld id="{B16B83B9-091F-4B77-B324-5CBDE339C31C}" type="datetimeFigureOut">
               <a:rPr lang="en-US" smtClean="0"/>
-              <a:t>3/14/2022</a:t>
+              <a:t>7/18/2022</a:t>
             </a:fld>
             <a:endParaRPr lang="en-US"/>
           </a:p>
@@ -1191,7 +1638,7 @@
           <a:p>
             <a:fld id="{B16B83B9-091F-4B77-B324-5CBDE339C31C}" type="datetimeFigureOut">
               <a:rPr lang="en-US" smtClean="0"/>
-              <a:t>3/14/2022</a:t>
+              <a:t>7/18/2022</a:t>
             </a:fld>
             <a:endParaRPr lang="en-US"/>
           </a:p>
@@ -1456,7 +1903,7 @@
           <a:p>
             <a:fld id="{B16B83B9-091F-4B77-B324-5CBDE339C31C}" type="datetimeFigureOut">
               <a:rPr lang="en-US" smtClean="0"/>
-              <a:t>3/14/2022</a:t>
+              <a:t>7/18/2022</a:t>
             </a:fld>
             <a:endParaRPr lang="en-US"/>
           </a:p>
@@ -1868,7 +2315,7 @@
           <a:p>
             <a:fld id="{B16B83B9-091F-4B77-B324-5CBDE339C31C}" type="datetimeFigureOut">
               <a:rPr lang="en-US" smtClean="0"/>
-              <a:t>3/14/2022</a:t>
+              <a:t>7/18/2022</a:t>
             </a:fld>
             <a:endParaRPr lang="en-US"/>
           </a:p>
@@ -2009,7 +2456,7 @@
           <a:p>
             <a:fld id="{B16B83B9-091F-4B77-B324-5CBDE339C31C}" type="datetimeFigureOut">
               <a:rPr lang="en-US" smtClean="0"/>
-              <a:t>3/14/2022</a:t>
+              <a:t>7/18/2022</a:t>
             </a:fld>
             <a:endParaRPr lang="en-US"/>
           </a:p>
@@ -2122,7 +2569,7 @@
           <a:p>
             <a:fld id="{B16B83B9-091F-4B77-B324-5CBDE339C31C}" type="datetimeFigureOut">
               <a:rPr lang="en-US" smtClean="0"/>
-              <a:t>3/14/2022</a:t>
+              <a:t>7/18/2022</a:t>
             </a:fld>
             <a:endParaRPr lang="en-US"/>
           </a:p>
@@ -2433,7 +2880,7 @@
           <a:p>
             <a:fld id="{B16B83B9-091F-4B77-B324-5CBDE339C31C}" type="datetimeFigureOut">
               <a:rPr lang="en-US" smtClean="0"/>
-              <a:t>3/14/2022</a:t>
+              <a:t>7/18/2022</a:t>
             </a:fld>
             <a:endParaRPr lang="en-US"/>
           </a:p>
@@ -2721,7 +3168,7 @@
           <a:p>
             <a:fld id="{B16B83B9-091F-4B77-B324-5CBDE339C31C}" type="datetimeFigureOut">
               <a:rPr lang="en-US" smtClean="0"/>
-              <a:t>3/14/2022</a:t>
+              <a:t>7/18/2022</a:t>
             </a:fld>
             <a:endParaRPr lang="en-US"/>
           </a:p>
@@ -2962,7 +3409,7 @@
           <a:p>
             <a:fld id="{B16B83B9-091F-4B77-B324-5CBDE339C31C}" type="datetimeFigureOut">
               <a:rPr lang="en-US" smtClean="0"/>
-              <a:t>3/14/2022</a:t>
+              <a:t>7/18/2022</a:t>
             </a:fld>
             <a:endParaRPr lang="en-US"/>
           </a:p>
@@ -5686,13 +6133,141 @@
         </p:nvSpPr>
         <p:spPr/>
         <p:txBody>
-          <a:bodyPr/>
-          <a:lstStyle/>
-          <a:p>
-            <a:endParaRPr lang="en-US"/>
-          </a:p>
-        </p:txBody>
-      </p:sp>
+          <a:bodyPr>
+            <a:normAutofit lnSpcReduction="10000"/>
+          </a:bodyPr>
+          <a:lstStyle/>
+          <a:p>
+            <a:r>
+              <a:rPr lang="en-US" dirty="0"/>
+              <a:t>Max temp things are okay with:</a:t>
+            </a:r>
+          </a:p>
+          <a:p>
+            <a:pPr lvl="1"/>
+            <a:r>
+              <a:rPr lang="en-US" dirty="0"/>
+              <a:t>VFD: 40C</a:t>
+            </a:r>
+          </a:p>
+          <a:p>
+            <a:pPr lvl="1"/>
+            <a:r>
+              <a:rPr lang="en-US" dirty="0"/>
+              <a:t>Power supplies: 60C</a:t>
+            </a:r>
+          </a:p>
+          <a:p>
+            <a:pPr lvl="1"/>
+            <a:r>
+              <a:rPr lang="en-US" dirty="0"/>
+              <a:t>Drives: 50C</a:t>
+            </a:r>
+          </a:p>
+          <a:p>
+            <a:pPr lvl="1"/>
+            <a:endParaRPr lang="en-US" dirty="0"/>
+          </a:p>
+          <a:p>
+            <a:r>
+              <a:rPr lang="en-US" dirty="0"/>
+              <a:t>Summary</a:t>
+            </a:r>
+          </a:p>
+          <a:p>
+            <a:pPr lvl="1"/>
+            <a:r>
+              <a:rPr lang="en-US" dirty="0"/>
+              <a:t>620W of heat to dissipate</a:t>
+            </a:r>
+          </a:p>
+          <a:p>
+            <a:pPr lvl="1"/>
+            <a:r>
+              <a:rPr lang="en-US" dirty="0"/>
+              <a:t>600x600x300 cabinet (dissipates ~65W, calc has a 250mm depth cabinet)</a:t>
+            </a:r>
+          </a:p>
+          <a:p>
+            <a:pPr lvl="1"/>
+            <a:r>
+              <a:rPr lang="en-US" dirty="0"/>
+              <a:t>Assumption: Max internal temp 40C, max external temp 30C, altitude 250-499m, </a:t>
+            </a:r>
+            <a:r>
+              <a:rPr lang="en-US" b="0" i="0" dirty="0">
+                <a:solidFill>
+                  <a:srgbClr val="000000"/>
+                </a:solidFill>
+                <a:effectLst/>
+                <a:latin typeface="Arial" panose="020B0604020202020204" pitchFamily="34" charset="0"/>
+              </a:rPr>
+              <a:t>Single enclosure, free-standing on </a:t>
+            </a:r>
+            <a:r>
+              <a:rPr lang="en-US" b="0" i="0">
+                <a:solidFill>
+                  <a:srgbClr val="000000"/>
+                </a:solidFill>
+                <a:effectLst/>
+                <a:latin typeface="Arial" panose="020B0604020202020204" pitchFamily="34" charset="0"/>
+              </a:rPr>
+              <a:t>all sides</a:t>
+            </a:r>
+          </a:p>
+          <a:p>
+            <a:pPr lvl="1"/>
+            <a:r>
+              <a:rPr lang="en-US"/>
+              <a:t>Necessary </a:t>
+            </a:r>
+            <a:r>
+              <a:rPr lang="en-US" dirty="0"/>
+              <a:t>air throughput: 185 m3/h</a:t>
+            </a:r>
+          </a:p>
+          <a:p>
+            <a:pPr marL="457200" lvl="1" indent="0">
+              <a:buNone/>
+            </a:pPr>
+            <a:endParaRPr lang="en-US" dirty="0"/>
+          </a:p>
+          <a:p>
+            <a:pPr lvl="1"/>
+            <a:endParaRPr lang="en-US" dirty="0"/>
+          </a:p>
+        </p:txBody>
+      </p:sp>
+      <p:pic>
+        <p:nvPicPr>
+          <p:cNvPr id="5" name="Picture 4">
+            <a:extLst>
+              <a:ext uri="{FF2B5EF4-FFF2-40B4-BE49-F238E27FC236}">
+                <a16:creationId xmlns:a16="http://schemas.microsoft.com/office/drawing/2014/main" id="{797C1C79-5399-E2D6-A334-C546273B7BCF}"/>
+              </a:ext>
+            </a:extLst>
+          </p:cNvPr>
+          <p:cNvPicPr>
+            <a:picLocks noChangeAspect="1"/>
+          </p:cNvPicPr>
+          <p:nvPr/>
+        </p:nvPicPr>
+        <p:blipFill>
+          <a:blip r:embed="rId2"/>
+          <a:stretch>
+            <a:fillRect/>
+          </a:stretch>
+        </p:blipFill>
+        <p:spPr>
+          <a:xfrm>
+            <a:off x="4700424" y="2547214"/>
+            <a:ext cx="6239746" cy="609685"/>
+          </a:xfrm>
+          <a:prstGeom prst="rect">
+            <a:avLst/>
+          </a:prstGeom>
+        </p:spPr>
+      </p:pic>
     </p:spTree>
     <p:extLst>
       <p:ext uri="{BB962C8B-B14F-4D97-AF65-F5344CB8AC3E}">
@@ -5836,25 +6411,2041 @@
       </p:sp>
       <p:sp>
         <p:nvSpPr>
-          <p:cNvPr id="3" name="Content Placeholder 2">
-            <a:extLst>
-              <a:ext uri="{FF2B5EF4-FFF2-40B4-BE49-F238E27FC236}">
-                <a16:creationId xmlns:a16="http://schemas.microsoft.com/office/drawing/2014/main" id="{847359FE-E694-450E-A67E-FF1CE2B92ED8}"/>
-              </a:ext>
-            </a:extLst>
-          </p:cNvPr>
-          <p:cNvSpPr>
-            <a:spLocks noGrp="1"/>
-          </p:cNvSpPr>
-          <p:nvPr>
-            <p:ph idx="1"/>
-          </p:nvPr>
-        </p:nvSpPr>
-        <p:spPr/>
-        <p:txBody>
-          <a:bodyPr/>
-          <a:lstStyle/>
-          <a:p>
+          <p:cNvPr id="4" name="Rectangle 3">
+            <a:extLst>
+              <a:ext uri="{FF2B5EF4-FFF2-40B4-BE49-F238E27FC236}">
+                <a16:creationId xmlns:a16="http://schemas.microsoft.com/office/drawing/2014/main" id="{6C21FF9A-6A40-651B-CF47-49ECC8FF790A}"/>
+              </a:ext>
+            </a:extLst>
+          </p:cNvPr>
+          <p:cNvSpPr/>
+          <p:nvPr/>
+        </p:nvSpPr>
+        <p:spPr>
+          <a:xfrm>
+            <a:off x="1471748" y="1671094"/>
+            <a:ext cx="4284617" cy="4351338"/>
+          </a:xfrm>
+          <a:prstGeom prst="rect">
+            <a:avLst/>
+          </a:prstGeom>
+          <a:noFill/>
+        </p:spPr>
+        <p:style>
+          <a:lnRef idx="2">
+            <a:schemeClr val="accent1">
+              <a:shade val="50000"/>
+            </a:schemeClr>
+          </a:lnRef>
+          <a:fillRef idx="1">
+            <a:schemeClr val="accent1"/>
+          </a:fillRef>
+          <a:effectRef idx="0">
+            <a:schemeClr val="accent1"/>
+          </a:effectRef>
+          <a:fontRef idx="minor">
+            <a:schemeClr val="lt1"/>
+          </a:fontRef>
+        </p:style>
+        <p:txBody>
+          <a:bodyPr rtlCol="0" anchor="ctr"/>
+          <a:lstStyle/>
+          <a:p>
+            <a:pPr algn="ctr"/>
+            <a:endParaRPr lang="en-US"/>
+          </a:p>
+        </p:txBody>
+      </p:sp>
+      <p:sp>
+        <p:nvSpPr>
+          <p:cNvPr id="5" name="Rectangle 4">
+            <a:extLst>
+              <a:ext uri="{FF2B5EF4-FFF2-40B4-BE49-F238E27FC236}">
+                <a16:creationId xmlns:a16="http://schemas.microsoft.com/office/drawing/2014/main" id="{EA03D12E-087D-E742-3314-B63C546816E4}"/>
+              </a:ext>
+            </a:extLst>
+          </p:cNvPr>
+          <p:cNvSpPr/>
+          <p:nvPr/>
+        </p:nvSpPr>
+        <p:spPr>
+          <a:xfrm flipH="1">
+            <a:off x="5863041" y="4419600"/>
+            <a:ext cx="526872" cy="1602832"/>
+          </a:xfrm>
+          <a:prstGeom prst="rect">
+            <a:avLst/>
+          </a:prstGeom>
+          <a:noFill/>
+        </p:spPr>
+        <p:style>
+          <a:lnRef idx="2">
+            <a:schemeClr val="accent1">
+              <a:shade val="50000"/>
+            </a:schemeClr>
+          </a:lnRef>
+          <a:fillRef idx="1">
+            <a:schemeClr val="accent1"/>
+          </a:fillRef>
+          <a:effectRef idx="0">
+            <a:schemeClr val="accent1"/>
+          </a:effectRef>
+          <a:fontRef idx="minor">
+            <a:schemeClr val="lt1"/>
+          </a:fontRef>
+        </p:style>
+        <p:txBody>
+          <a:bodyPr rtlCol="0" anchor="ctr"/>
+          <a:lstStyle/>
+          <a:p>
+            <a:pPr algn="ctr"/>
+            <a:endParaRPr lang="en-US"/>
+          </a:p>
+        </p:txBody>
+      </p:sp>
+      <p:sp>
+        <p:nvSpPr>
+          <p:cNvPr id="6" name="Rectangle 5">
+            <a:extLst>
+              <a:ext uri="{FF2B5EF4-FFF2-40B4-BE49-F238E27FC236}">
+                <a16:creationId xmlns:a16="http://schemas.microsoft.com/office/drawing/2014/main" id="{E0A58DB2-7BF8-85A0-A44D-BAEBEE1932AE}"/>
+              </a:ext>
+            </a:extLst>
+          </p:cNvPr>
+          <p:cNvSpPr/>
+          <p:nvPr/>
+        </p:nvSpPr>
+        <p:spPr>
+          <a:xfrm flipH="1">
+            <a:off x="1541413" y="4666974"/>
+            <a:ext cx="4145279" cy="308881"/>
+          </a:xfrm>
+          <a:prstGeom prst="rect">
+            <a:avLst/>
+          </a:prstGeom>
+          <a:noFill/>
+        </p:spPr>
+        <p:style>
+          <a:lnRef idx="2">
+            <a:schemeClr val="accent1">
+              <a:shade val="50000"/>
+            </a:schemeClr>
+          </a:lnRef>
+          <a:fillRef idx="1">
+            <a:schemeClr val="accent1"/>
+          </a:fillRef>
+          <a:effectRef idx="0">
+            <a:schemeClr val="accent1"/>
+          </a:effectRef>
+          <a:fontRef idx="minor">
+            <a:schemeClr val="lt1"/>
+          </a:fontRef>
+        </p:style>
+        <p:txBody>
+          <a:bodyPr rtlCol="0" anchor="ctr"/>
+          <a:lstStyle/>
+          <a:p>
+            <a:pPr algn="ctr"/>
+            <a:endParaRPr lang="en-US"/>
+          </a:p>
+        </p:txBody>
+      </p:sp>
+      <p:sp>
+        <p:nvSpPr>
+          <p:cNvPr id="7" name="Rectangle 6">
+            <a:extLst>
+              <a:ext uri="{FF2B5EF4-FFF2-40B4-BE49-F238E27FC236}">
+                <a16:creationId xmlns:a16="http://schemas.microsoft.com/office/drawing/2014/main" id="{AC731C59-BB4A-39D0-CDB8-C07ED00B0EB4}"/>
+              </a:ext>
+            </a:extLst>
+          </p:cNvPr>
+          <p:cNvSpPr/>
+          <p:nvPr/>
+        </p:nvSpPr>
+        <p:spPr>
+          <a:xfrm flipH="1">
+            <a:off x="3126556" y="4970338"/>
+            <a:ext cx="640082" cy="278810"/>
+          </a:xfrm>
+          <a:prstGeom prst="rect">
+            <a:avLst/>
+          </a:prstGeom>
+          <a:noFill/>
+        </p:spPr>
+        <p:style>
+          <a:lnRef idx="2">
+            <a:schemeClr val="accent1">
+              <a:shade val="50000"/>
+            </a:schemeClr>
+          </a:lnRef>
+          <a:fillRef idx="1">
+            <a:schemeClr val="accent1"/>
+          </a:fillRef>
+          <a:effectRef idx="0">
+            <a:schemeClr val="accent1"/>
+          </a:effectRef>
+          <a:fontRef idx="minor">
+            <a:schemeClr val="lt1"/>
+          </a:fontRef>
+        </p:style>
+        <p:txBody>
+          <a:bodyPr rtlCol="0" anchor="ctr"/>
+          <a:lstStyle/>
+          <a:p>
+            <a:pPr algn="ctr"/>
+            <a:endParaRPr lang="en-US"/>
+          </a:p>
+        </p:txBody>
+      </p:sp>
+      <p:sp>
+        <p:nvSpPr>
+          <p:cNvPr id="9" name="Rectangle 8">
+            <a:extLst>
+              <a:ext uri="{FF2B5EF4-FFF2-40B4-BE49-F238E27FC236}">
+                <a16:creationId xmlns:a16="http://schemas.microsoft.com/office/drawing/2014/main" id="{92FB84EC-F998-6373-0028-43CE78D60B73}"/>
+              </a:ext>
+            </a:extLst>
+          </p:cNvPr>
+          <p:cNvSpPr/>
+          <p:nvPr/>
+        </p:nvSpPr>
+        <p:spPr>
+          <a:xfrm flipH="1">
+            <a:off x="5388636" y="1727927"/>
+            <a:ext cx="320916" cy="4257266"/>
+          </a:xfrm>
+          <a:prstGeom prst="rect">
+            <a:avLst/>
+          </a:prstGeom>
+          <a:noFill/>
+        </p:spPr>
+        <p:style>
+          <a:lnRef idx="2">
+            <a:schemeClr val="accent1">
+              <a:shade val="50000"/>
+            </a:schemeClr>
+          </a:lnRef>
+          <a:fillRef idx="1">
+            <a:schemeClr val="accent1"/>
+          </a:fillRef>
+          <a:effectRef idx="0">
+            <a:schemeClr val="accent1"/>
+          </a:effectRef>
+          <a:fontRef idx="minor">
+            <a:schemeClr val="lt1"/>
+          </a:fontRef>
+        </p:style>
+        <p:txBody>
+          <a:bodyPr rtlCol="0" anchor="ctr"/>
+          <a:lstStyle/>
+          <a:p>
+            <a:pPr algn="ctr"/>
+            <a:endParaRPr lang="en-US"/>
+          </a:p>
+        </p:txBody>
+      </p:sp>
+      <p:sp>
+        <p:nvSpPr>
+          <p:cNvPr id="10" name="Rectangle 9">
+            <a:extLst>
+              <a:ext uri="{FF2B5EF4-FFF2-40B4-BE49-F238E27FC236}">
+                <a16:creationId xmlns:a16="http://schemas.microsoft.com/office/drawing/2014/main" id="{BE67AB65-2F85-AC65-B756-94B3BCDD51DE}"/>
+              </a:ext>
+            </a:extLst>
+          </p:cNvPr>
+          <p:cNvSpPr/>
+          <p:nvPr/>
+        </p:nvSpPr>
+        <p:spPr>
+          <a:xfrm flipH="1">
+            <a:off x="1502224" y="1727927"/>
+            <a:ext cx="380789" cy="4257266"/>
+          </a:xfrm>
+          <a:prstGeom prst="rect">
+            <a:avLst/>
+          </a:prstGeom>
+          <a:noFill/>
+        </p:spPr>
+        <p:style>
+          <a:lnRef idx="2">
+            <a:schemeClr val="accent1">
+              <a:shade val="50000"/>
+            </a:schemeClr>
+          </a:lnRef>
+          <a:fillRef idx="1">
+            <a:schemeClr val="accent1"/>
+          </a:fillRef>
+          <a:effectRef idx="0">
+            <a:schemeClr val="accent1"/>
+          </a:effectRef>
+          <a:fontRef idx="minor">
+            <a:schemeClr val="lt1"/>
+          </a:fontRef>
+        </p:style>
+        <p:txBody>
+          <a:bodyPr rtlCol="0" anchor="ctr"/>
+          <a:lstStyle/>
+          <a:p>
+            <a:pPr algn="ctr"/>
+            <a:endParaRPr lang="en-US"/>
+          </a:p>
+        </p:txBody>
+      </p:sp>
+      <p:cxnSp>
+        <p:nvCxnSpPr>
+          <p:cNvPr id="15" name="Straight Arrow Connector 14">
+            <a:extLst>
+              <a:ext uri="{FF2B5EF4-FFF2-40B4-BE49-F238E27FC236}">
+                <a16:creationId xmlns:a16="http://schemas.microsoft.com/office/drawing/2014/main" id="{F3F2A8B3-494A-F8DB-E1B2-5A18636157CC}"/>
+              </a:ext>
+            </a:extLst>
+          </p:cNvPr>
+          <p:cNvCxnSpPr>
+            <a:cxnSpLocks/>
+          </p:cNvCxnSpPr>
+          <p:nvPr/>
+        </p:nvCxnSpPr>
+        <p:spPr>
+          <a:xfrm flipV="1">
+            <a:off x="1065539" y="5790745"/>
+            <a:ext cx="0" cy="239941"/>
+          </a:xfrm>
+          <a:prstGeom prst="straightConnector1">
+            <a:avLst/>
+          </a:prstGeom>
+          <a:ln>
+            <a:tailEnd type="triangle"/>
+          </a:ln>
+        </p:spPr>
+        <p:style>
+          <a:lnRef idx="1">
+            <a:schemeClr val="accent1"/>
+          </a:lnRef>
+          <a:fillRef idx="0">
+            <a:schemeClr val="accent1"/>
+          </a:fillRef>
+          <a:effectRef idx="0">
+            <a:schemeClr val="accent1"/>
+          </a:effectRef>
+          <a:fontRef idx="minor">
+            <a:schemeClr val="tx1"/>
+          </a:fontRef>
+        </p:style>
+      </p:cxnSp>
+      <p:cxnSp>
+        <p:nvCxnSpPr>
+          <p:cNvPr id="16" name="Straight Arrow Connector 15">
+            <a:extLst>
+              <a:ext uri="{FF2B5EF4-FFF2-40B4-BE49-F238E27FC236}">
+                <a16:creationId xmlns:a16="http://schemas.microsoft.com/office/drawing/2014/main" id="{6F42A320-183F-9EB3-7071-736AFF571888}"/>
+              </a:ext>
+            </a:extLst>
+          </p:cNvPr>
+          <p:cNvCxnSpPr>
+            <a:cxnSpLocks/>
+          </p:cNvCxnSpPr>
+          <p:nvPr/>
+        </p:nvCxnSpPr>
+        <p:spPr>
+          <a:xfrm>
+            <a:off x="1065493" y="6022432"/>
+            <a:ext cx="236257" cy="0"/>
+          </a:xfrm>
+          <a:prstGeom prst="straightConnector1">
+            <a:avLst/>
+          </a:prstGeom>
+          <a:ln>
+            <a:tailEnd type="triangle"/>
+          </a:ln>
+        </p:spPr>
+        <p:style>
+          <a:lnRef idx="1">
+            <a:schemeClr val="accent1"/>
+          </a:lnRef>
+          <a:fillRef idx="0">
+            <a:schemeClr val="accent1"/>
+          </a:fillRef>
+          <a:effectRef idx="0">
+            <a:schemeClr val="accent1"/>
+          </a:effectRef>
+          <a:fontRef idx="minor">
+            <a:schemeClr val="tx1"/>
+          </a:fontRef>
+        </p:style>
+      </p:cxnSp>
+      <p:sp>
+        <p:nvSpPr>
+          <p:cNvPr id="21" name="Rectangle 20">
+            <a:extLst>
+              <a:ext uri="{FF2B5EF4-FFF2-40B4-BE49-F238E27FC236}">
+                <a16:creationId xmlns:a16="http://schemas.microsoft.com/office/drawing/2014/main" id="{5BF7B9E1-6F66-3500-42AF-FCFF403B1694}"/>
+              </a:ext>
+            </a:extLst>
+          </p:cNvPr>
+          <p:cNvSpPr/>
+          <p:nvPr/>
+        </p:nvSpPr>
+        <p:spPr>
+          <a:xfrm flipH="1">
+            <a:off x="5756364" y="6199682"/>
+            <a:ext cx="351604" cy="505917"/>
+          </a:xfrm>
+          <a:prstGeom prst="rect">
+            <a:avLst/>
+          </a:prstGeom>
+          <a:noFill/>
+        </p:spPr>
+        <p:style>
+          <a:lnRef idx="2">
+            <a:schemeClr val="accent1">
+              <a:shade val="50000"/>
+            </a:schemeClr>
+          </a:lnRef>
+          <a:fillRef idx="1">
+            <a:schemeClr val="accent1"/>
+          </a:fillRef>
+          <a:effectRef idx="0">
+            <a:schemeClr val="accent1"/>
+          </a:effectRef>
+          <a:fontRef idx="minor">
+            <a:schemeClr val="lt1"/>
+          </a:fontRef>
+        </p:style>
+        <p:txBody>
+          <a:bodyPr rtlCol="0" anchor="ctr"/>
+          <a:lstStyle/>
+          <a:p>
+            <a:pPr algn="ctr"/>
+            <a:endParaRPr lang="en-US"/>
+          </a:p>
+        </p:txBody>
+      </p:sp>
+      <p:sp>
+        <p:nvSpPr>
+          <p:cNvPr id="22" name="Rectangle 21">
+            <a:extLst>
+              <a:ext uri="{FF2B5EF4-FFF2-40B4-BE49-F238E27FC236}">
+                <a16:creationId xmlns:a16="http://schemas.microsoft.com/office/drawing/2014/main" id="{5396A40B-F536-1E98-1F30-F2F339D104FF}"/>
+              </a:ext>
+            </a:extLst>
+          </p:cNvPr>
+          <p:cNvSpPr/>
+          <p:nvPr/>
+        </p:nvSpPr>
+        <p:spPr>
+          <a:xfrm flipH="1">
+            <a:off x="5867400" y="6030686"/>
+            <a:ext cx="240570" cy="168997"/>
+          </a:xfrm>
+          <a:prstGeom prst="rect">
+            <a:avLst/>
+          </a:prstGeom>
+          <a:noFill/>
+        </p:spPr>
+        <p:style>
+          <a:lnRef idx="2">
+            <a:schemeClr val="accent1">
+              <a:shade val="50000"/>
+            </a:schemeClr>
+          </a:lnRef>
+          <a:fillRef idx="1">
+            <a:schemeClr val="accent1"/>
+          </a:fillRef>
+          <a:effectRef idx="0">
+            <a:schemeClr val="accent1"/>
+          </a:effectRef>
+          <a:fontRef idx="minor">
+            <a:schemeClr val="lt1"/>
+          </a:fontRef>
+        </p:style>
+        <p:txBody>
+          <a:bodyPr rtlCol="0" anchor="ctr"/>
+          <a:lstStyle/>
+          <a:p>
+            <a:pPr algn="ctr"/>
+            <a:endParaRPr lang="en-US"/>
+          </a:p>
+        </p:txBody>
+      </p:sp>
+      <p:sp>
+        <p:nvSpPr>
+          <p:cNvPr id="23" name="Rectangle 22">
+            <a:extLst>
+              <a:ext uri="{FF2B5EF4-FFF2-40B4-BE49-F238E27FC236}">
+                <a16:creationId xmlns:a16="http://schemas.microsoft.com/office/drawing/2014/main" id="{67CD4312-2B17-BE2A-175E-29203835C272}"/>
+              </a:ext>
+            </a:extLst>
+          </p:cNvPr>
+          <p:cNvSpPr/>
+          <p:nvPr/>
+        </p:nvSpPr>
+        <p:spPr>
+          <a:xfrm>
+            <a:off x="5752574" y="4376191"/>
+            <a:ext cx="213360" cy="1646242"/>
+          </a:xfrm>
+          <a:prstGeom prst="rect">
+            <a:avLst/>
+          </a:prstGeom>
+          <a:pattFill prst="ltHorz">
+            <a:fgClr>
+              <a:schemeClr val="accent1"/>
+            </a:fgClr>
+            <a:bgClr>
+              <a:schemeClr val="bg1"/>
+            </a:bgClr>
+          </a:pattFill>
+        </p:spPr>
+        <p:style>
+          <a:lnRef idx="2">
+            <a:schemeClr val="accent1">
+              <a:shade val="50000"/>
+            </a:schemeClr>
+          </a:lnRef>
+          <a:fillRef idx="1">
+            <a:schemeClr val="accent1"/>
+          </a:fillRef>
+          <a:effectRef idx="0">
+            <a:schemeClr val="accent1"/>
+          </a:effectRef>
+          <a:fontRef idx="minor">
+            <a:schemeClr val="lt1"/>
+          </a:fontRef>
+        </p:style>
+        <p:txBody>
+          <a:bodyPr rtlCol="0" anchor="ctr"/>
+          <a:lstStyle/>
+          <a:p>
+            <a:pPr algn="ctr"/>
+            <a:endParaRPr lang="en-US"/>
+          </a:p>
+        </p:txBody>
+      </p:sp>
+      <p:sp>
+        <p:nvSpPr>
+          <p:cNvPr id="24" name="Rectangle 23">
+            <a:extLst>
+              <a:ext uri="{FF2B5EF4-FFF2-40B4-BE49-F238E27FC236}">
+                <a16:creationId xmlns:a16="http://schemas.microsoft.com/office/drawing/2014/main" id="{5BB9B85F-92C7-0D29-FEA3-73CB3258D961}"/>
+              </a:ext>
+            </a:extLst>
+          </p:cNvPr>
+          <p:cNvSpPr/>
+          <p:nvPr/>
+        </p:nvSpPr>
+        <p:spPr>
+          <a:xfrm rot="16200000">
+            <a:off x="4473538" y="3333834"/>
+            <a:ext cx="213360" cy="2452921"/>
+          </a:xfrm>
+          <a:prstGeom prst="rect">
+            <a:avLst/>
+          </a:prstGeom>
+          <a:pattFill prst="ltHorz">
+            <a:fgClr>
+              <a:schemeClr val="accent1"/>
+            </a:fgClr>
+            <a:bgClr>
+              <a:schemeClr val="bg1"/>
+            </a:bgClr>
+          </a:pattFill>
+        </p:spPr>
+        <p:style>
+          <a:lnRef idx="2">
+            <a:schemeClr val="accent1">
+              <a:shade val="50000"/>
+            </a:schemeClr>
+          </a:lnRef>
+          <a:fillRef idx="1">
+            <a:schemeClr val="accent1"/>
+          </a:fillRef>
+          <a:effectRef idx="0">
+            <a:schemeClr val="accent1"/>
+          </a:effectRef>
+          <a:fontRef idx="minor">
+            <a:schemeClr val="lt1"/>
+          </a:fontRef>
+        </p:style>
+        <p:txBody>
+          <a:bodyPr rtlCol="0" anchor="ctr"/>
+          <a:lstStyle/>
+          <a:p>
+            <a:pPr algn="ctr"/>
+            <a:endParaRPr lang="en-US"/>
+          </a:p>
+        </p:txBody>
+      </p:sp>
+      <p:sp>
+        <p:nvSpPr>
+          <p:cNvPr id="25" name="Rectangle 24">
+            <a:extLst>
+              <a:ext uri="{FF2B5EF4-FFF2-40B4-BE49-F238E27FC236}">
+                <a16:creationId xmlns:a16="http://schemas.microsoft.com/office/drawing/2014/main" id="{A1644BC4-F653-AED3-5034-108E70CB02C9}"/>
+              </a:ext>
+            </a:extLst>
+          </p:cNvPr>
+          <p:cNvSpPr/>
+          <p:nvPr/>
+        </p:nvSpPr>
+        <p:spPr>
+          <a:xfrm>
+            <a:off x="5376216" y="4861557"/>
+            <a:ext cx="131488" cy="76200"/>
+          </a:xfrm>
+          <a:prstGeom prst="rect">
+            <a:avLst/>
+          </a:prstGeom>
+        </p:spPr>
+        <p:style>
+          <a:lnRef idx="2">
+            <a:schemeClr val="accent4">
+              <a:shade val="50000"/>
+            </a:schemeClr>
+          </a:lnRef>
+          <a:fillRef idx="1">
+            <a:schemeClr val="accent4"/>
+          </a:fillRef>
+          <a:effectRef idx="0">
+            <a:schemeClr val="accent4"/>
+          </a:effectRef>
+          <a:fontRef idx="minor">
+            <a:schemeClr val="lt1"/>
+          </a:fontRef>
+        </p:style>
+        <p:txBody>
+          <a:bodyPr rtlCol="0" anchor="ctr"/>
+          <a:lstStyle/>
+          <a:p>
+            <a:pPr algn="ctr"/>
+            <a:endParaRPr lang="en-US"/>
+          </a:p>
+        </p:txBody>
+      </p:sp>
+      <p:sp>
+        <p:nvSpPr>
+          <p:cNvPr id="26" name="Rectangle 25">
+            <a:extLst>
+              <a:ext uri="{FF2B5EF4-FFF2-40B4-BE49-F238E27FC236}">
+                <a16:creationId xmlns:a16="http://schemas.microsoft.com/office/drawing/2014/main" id="{CC5ACA8E-4C0E-88D3-9D10-16CEF71FC382}"/>
+              </a:ext>
+            </a:extLst>
+          </p:cNvPr>
+          <p:cNvSpPr/>
+          <p:nvPr/>
+        </p:nvSpPr>
+        <p:spPr>
+          <a:xfrm>
+            <a:off x="5376216" y="4615479"/>
+            <a:ext cx="131488" cy="76200"/>
+          </a:xfrm>
+          <a:prstGeom prst="rect">
+            <a:avLst/>
+          </a:prstGeom>
+        </p:spPr>
+        <p:style>
+          <a:lnRef idx="2">
+            <a:schemeClr val="accent4">
+              <a:shade val="50000"/>
+            </a:schemeClr>
+          </a:lnRef>
+          <a:fillRef idx="1">
+            <a:schemeClr val="accent4"/>
+          </a:fillRef>
+          <a:effectRef idx="0">
+            <a:schemeClr val="accent4"/>
+          </a:effectRef>
+          <a:fontRef idx="minor">
+            <a:schemeClr val="lt1"/>
+          </a:fontRef>
+        </p:style>
+        <p:txBody>
+          <a:bodyPr rtlCol="0" anchor="ctr"/>
+          <a:lstStyle/>
+          <a:p>
+            <a:pPr algn="ctr"/>
+            <a:endParaRPr lang="en-US"/>
+          </a:p>
+        </p:txBody>
+      </p:sp>
+      <p:sp>
+        <p:nvSpPr>
+          <p:cNvPr id="28" name="Rectangle 27">
+            <a:extLst>
+              <a:ext uri="{FF2B5EF4-FFF2-40B4-BE49-F238E27FC236}">
+                <a16:creationId xmlns:a16="http://schemas.microsoft.com/office/drawing/2014/main" id="{5978D228-C19D-A742-0C35-2BB07C64BD36}"/>
+              </a:ext>
+            </a:extLst>
+          </p:cNvPr>
+          <p:cNvSpPr/>
+          <p:nvPr/>
+        </p:nvSpPr>
+        <p:spPr>
+          <a:xfrm rot="5400000">
+            <a:off x="3158071" y="4970890"/>
+            <a:ext cx="120387" cy="71314"/>
+          </a:xfrm>
+          <a:prstGeom prst="rect">
+            <a:avLst/>
+          </a:prstGeom>
+        </p:spPr>
+        <p:style>
+          <a:lnRef idx="2">
+            <a:schemeClr val="accent4">
+              <a:shade val="50000"/>
+            </a:schemeClr>
+          </a:lnRef>
+          <a:fillRef idx="1">
+            <a:schemeClr val="accent4"/>
+          </a:fillRef>
+          <a:effectRef idx="0">
+            <a:schemeClr val="accent4"/>
+          </a:effectRef>
+          <a:fontRef idx="minor">
+            <a:schemeClr val="lt1"/>
+          </a:fontRef>
+        </p:style>
+        <p:txBody>
+          <a:bodyPr rtlCol="0" anchor="ctr"/>
+          <a:lstStyle/>
+          <a:p>
+            <a:pPr algn="ctr"/>
+            <a:endParaRPr lang="en-US"/>
+          </a:p>
+        </p:txBody>
+      </p:sp>
+      <p:sp>
+        <p:nvSpPr>
+          <p:cNvPr id="29" name="Rectangle 28">
+            <a:extLst>
+              <a:ext uri="{FF2B5EF4-FFF2-40B4-BE49-F238E27FC236}">
+                <a16:creationId xmlns:a16="http://schemas.microsoft.com/office/drawing/2014/main" id="{5003BD42-FBC4-A158-866D-D77EC73B40E2}"/>
+              </a:ext>
+            </a:extLst>
+          </p:cNvPr>
+          <p:cNvSpPr/>
+          <p:nvPr/>
+        </p:nvSpPr>
+        <p:spPr>
+          <a:xfrm rot="5400000">
+            <a:off x="3594078" y="4969704"/>
+            <a:ext cx="138284" cy="91582"/>
+          </a:xfrm>
+          <a:prstGeom prst="rect">
+            <a:avLst/>
+          </a:prstGeom>
+        </p:spPr>
+        <p:style>
+          <a:lnRef idx="2">
+            <a:schemeClr val="accent4">
+              <a:shade val="50000"/>
+            </a:schemeClr>
+          </a:lnRef>
+          <a:fillRef idx="1">
+            <a:schemeClr val="accent4"/>
+          </a:fillRef>
+          <a:effectRef idx="0">
+            <a:schemeClr val="accent4"/>
+          </a:effectRef>
+          <a:fontRef idx="minor">
+            <a:schemeClr val="lt1"/>
+          </a:fontRef>
+        </p:style>
+        <p:txBody>
+          <a:bodyPr rtlCol="0" anchor="ctr"/>
+          <a:lstStyle/>
+          <a:p>
+            <a:pPr algn="ctr"/>
+            <a:endParaRPr lang="en-US"/>
+          </a:p>
+        </p:txBody>
+      </p:sp>
+      <p:sp>
+        <p:nvSpPr>
+          <p:cNvPr id="30" name="Rectangle 29">
+            <a:extLst>
+              <a:ext uri="{FF2B5EF4-FFF2-40B4-BE49-F238E27FC236}">
+                <a16:creationId xmlns:a16="http://schemas.microsoft.com/office/drawing/2014/main" id="{781E3C8D-679C-6710-42CC-563E9470C854}"/>
+              </a:ext>
+            </a:extLst>
+          </p:cNvPr>
+          <p:cNvSpPr/>
+          <p:nvPr/>
+        </p:nvSpPr>
+        <p:spPr>
+          <a:xfrm>
+            <a:off x="1502224" y="1511736"/>
+            <a:ext cx="236257" cy="403856"/>
+          </a:xfrm>
+          <a:prstGeom prst="rect">
+            <a:avLst/>
+          </a:prstGeom>
+        </p:spPr>
+        <p:style>
+          <a:lnRef idx="2">
+            <a:schemeClr val="accent1">
+              <a:shade val="50000"/>
+            </a:schemeClr>
+          </a:lnRef>
+          <a:fillRef idx="1">
+            <a:schemeClr val="accent1"/>
+          </a:fillRef>
+          <a:effectRef idx="0">
+            <a:schemeClr val="accent1"/>
+          </a:effectRef>
+          <a:fontRef idx="minor">
+            <a:schemeClr val="lt1"/>
+          </a:fontRef>
+        </p:style>
+        <p:txBody>
+          <a:bodyPr rtlCol="0" anchor="ctr"/>
+          <a:lstStyle/>
+          <a:p>
+            <a:pPr algn="ctr"/>
+            <a:endParaRPr lang="en-US"/>
+          </a:p>
+        </p:txBody>
+      </p:sp>
+      <p:sp>
+        <p:nvSpPr>
+          <p:cNvPr id="31" name="Rectangle 30">
+            <a:extLst>
+              <a:ext uri="{FF2B5EF4-FFF2-40B4-BE49-F238E27FC236}">
+                <a16:creationId xmlns:a16="http://schemas.microsoft.com/office/drawing/2014/main" id="{1DC65BF1-53CA-6DD0-1657-7B41F84CFA63}"/>
+              </a:ext>
+            </a:extLst>
+          </p:cNvPr>
+          <p:cNvSpPr/>
+          <p:nvPr/>
+        </p:nvSpPr>
+        <p:spPr>
+          <a:xfrm>
+            <a:off x="5473295" y="1443750"/>
+            <a:ext cx="236257" cy="403856"/>
+          </a:xfrm>
+          <a:prstGeom prst="rect">
+            <a:avLst/>
+          </a:prstGeom>
+        </p:spPr>
+        <p:style>
+          <a:lnRef idx="2">
+            <a:schemeClr val="accent1">
+              <a:shade val="50000"/>
+            </a:schemeClr>
+          </a:lnRef>
+          <a:fillRef idx="1">
+            <a:schemeClr val="accent1"/>
+          </a:fillRef>
+          <a:effectRef idx="0">
+            <a:schemeClr val="accent1"/>
+          </a:effectRef>
+          <a:fontRef idx="minor">
+            <a:schemeClr val="lt1"/>
+          </a:fontRef>
+        </p:style>
+        <p:txBody>
+          <a:bodyPr rtlCol="0" anchor="ctr"/>
+          <a:lstStyle/>
+          <a:p>
+            <a:pPr algn="ctr"/>
+            <a:endParaRPr lang="en-US"/>
+          </a:p>
+        </p:txBody>
+      </p:sp>
+      <p:sp>
+        <p:nvSpPr>
+          <p:cNvPr id="12" name="TextBox 11">
+            <a:extLst>
+              <a:ext uri="{FF2B5EF4-FFF2-40B4-BE49-F238E27FC236}">
+                <a16:creationId xmlns:a16="http://schemas.microsoft.com/office/drawing/2014/main" id="{78374FFA-48FF-7C43-59C7-2FEBA38D0CBD}"/>
+              </a:ext>
+            </a:extLst>
+          </p:cNvPr>
+          <p:cNvSpPr txBox="1"/>
+          <p:nvPr/>
+        </p:nvSpPr>
+        <p:spPr>
+          <a:xfrm>
+            <a:off x="1413509" y="1539387"/>
+            <a:ext cx="413896" cy="369332"/>
+          </a:xfrm>
+          <a:prstGeom prst="rect">
+            <a:avLst/>
+          </a:prstGeom>
+          <a:noFill/>
+        </p:spPr>
+        <p:txBody>
+          <a:bodyPr wrap="none" rtlCol="0">
+            <a:spAutoFit/>
+          </a:bodyPr>
+          <a:lstStyle/>
+          <a:p>
+            <a:r>
+              <a:rPr lang="en-US" dirty="0"/>
+              <a:t>Y2</a:t>
+            </a:r>
+          </a:p>
+        </p:txBody>
+      </p:sp>
+      <p:sp>
+        <p:nvSpPr>
+          <p:cNvPr id="13" name="TextBox 12">
+            <a:extLst>
+              <a:ext uri="{FF2B5EF4-FFF2-40B4-BE49-F238E27FC236}">
+                <a16:creationId xmlns:a16="http://schemas.microsoft.com/office/drawing/2014/main" id="{B7046806-DC4A-BAAB-8F04-CCBC90C97584}"/>
+              </a:ext>
+            </a:extLst>
+          </p:cNvPr>
+          <p:cNvSpPr txBox="1"/>
+          <p:nvPr/>
+        </p:nvSpPr>
+        <p:spPr>
+          <a:xfrm>
+            <a:off x="5395807" y="1475364"/>
+            <a:ext cx="413896" cy="369332"/>
+          </a:xfrm>
+          <a:prstGeom prst="rect">
+            <a:avLst/>
+          </a:prstGeom>
+          <a:noFill/>
+        </p:spPr>
+        <p:txBody>
+          <a:bodyPr wrap="none" rtlCol="0">
+            <a:spAutoFit/>
+          </a:bodyPr>
+          <a:lstStyle/>
+          <a:p>
+            <a:r>
+              <a:rPr lang="en-US" dirty="0"/>
+              <a:t>Y1</a:t>
+            </a:r>
+          </a:p>
+        </p:txBody>
+      </p:sp>
+      <p:sp>
+        <p:nvSpPr>
+          <p:cNvPr id="32" name="Rectangle 31">
+            <a:extLst>
+              <a:ext uri="{FF2B5EF4-FFF2-40B4-BE49-F238E27FC236}">
+                <a16:creationId xmlns:a16="http://schemas.microsoft.com/office/drawing/2014/main" id="{5B0D5B3B-0CB8-A403-3CE1-C51C84D1E520}"/>
+              </a:ext>
+            </a:extLst>
+          </p:cNvPr>
+          <p:cNvSpPr/>
+          <p:nvPr/>
+        </p:nvSpPr>
+        <p:spPr>
+          <a:xfrm rot="5400000">
+            <a:off x="5712209" y="4626296"/>
+            <a:ext cx="236257" cy="403856"/>
+          </a:xfrm>
+          <a:prstGeom prst="rect">
+            <a:avLst/>
+          </a:prstGeom>
+        </p:spPr>
+        <p:style>
+          <a:lnRef idx="2">
+            <a:schemeClr val="accent1">
+              <a:shade val="50000"/>
+            </a:schemeClr>
+          </a:lnRef>
+          <a:fillRef idx="1">
+            <a:schemeClr val="accent1"/>
+          </a:fillRef>
+          <a:effectRef idx="0">
+            <a:schemeClr val="accent1"/>
+          </a:effectRef>
+          <a:fontRef idx="minor">
+            <a:schemeClr val="lt1"/>
+          </a:fontRef>
+        </p:style>
+        <p:txBody>
+          <a:bodyPr rtlCol="0" anchor="ctr"/>
+          <a:lstStyle/>
+          <a:p>
+            <a:pPr algn="ctr"/>
+            <a:endParaRPr lang="en-US"/>
+          </a:p>
+        </p:txBody>
+      </p:sp>
+      <p:sp>
+        <p:nvSpPr>
+          <p:cNvPr id="11" name="TextBox 10">
+            <a:extLst>
+              <a:ext uri="{FF2B5EF4-FFF2-40B4-BE49-F238E27FC236}">
+                <a16:creationId xmlns:a16="http://schemas.microsoft.com/office/drawing/2014/main" id="{F5D73812-E3ED-B224-1F23-050BD688C57B}"/>
+              </a:ext>
+            </a:extLst>
+          </p:cNvPr>
+          <p:cNvSpPr txBox="1"/>
+          <p:nvPr/>
+        </p:nvSpPr>
+        <p:spPr>
+          <a:xfrm>
+            <a:off x="5714954" y="4643558"/>
+            <a:ext cx="304892" cy="369332"/>
+          </a:xfrm>
+          <a:prstGeom prst="rect">
+            <a:avLst/>
+          </a:prstGeom>
+          <a:noFill/>
+        </p:spPr>
+        <p:txBody>
+          <a:bodyPr wrap="none" rtlCol="0">
+            <a:spAutoFit/>
+          </a:bodyPr>
+          <a:lstStyle/>
+          <a:p>
+            <a:r>
+              <a:rPr lang="en-US" dirty="0"/>
+              <a:t>X</a:t>
+            </a:r>
+          </a:p>
+        </p:txBody>
+      </p:sp>
+      <p:sp>
+        <p:nvSpPr>
+          <p:cNvPr id="33" name="Rectangle 32">
+            <a:extLst>
+              <a:ext uri="{FF2B5EF4-FFF2-40B4-BE49-F238E27FC236}">
+                <a16:creationId xmlns:a16="http://schemas.microsoft.com/office/drawing/2014/main" id="{28368579-40F5-032E-034B-F788DAFE073B}"/>
+              </a:ext>
+            </a:extLst>
+          </p:cNvPr>
+          <p:cNvSpPr/>
+          <p:nvPr/>
+        </p:nvSpPr>
+        <p:spPr>
+          <a:xfrm rot="5400000">
+            <a:off x="3290788" y="4823976"/>
+            <a:ext cx="236257" cy="238287"/>
+          </a:xfrm>
+          <a:prstGeom prst="rect">
+            <a:avLst/>
+          </a:prstGeom>
+        </p:spPr>
+        <p:style>
+          <a:lnRef idx="2">
+            <a:schemeClr val="accent1">
+              <a:shade val="50000"/>
+            </a:schemeClr>
+          </a:lnRef>
+          <a:fillRef idx="1">
+            <a:schemeClr val="accent1"/>
+          </a:fillRef>
+          <a:effectRef idx="0">
+            <a:schemeClr val="accent1"/>
+          </a:effectRef>
+          <a:fontRef idx="minor">
+            <a:schemeClr val="lt1"/>
+          </a:fontRef>
+        </p:style>
+        <p:txBody>
+          <a:bodyPr rtlCol="0" anchor="ctr"/>
+          <a:lstStyle/>
+          <a:p>
+            <a:pPr algn="ctr"/>
+            <a:endParaRPr lang="en-US"/>
+          </a:p>
+        </p:txBody>
+      </p:sp>
+      <p:sp>
+        <p:nvSpPr>
+          <p:cNvPr id="8" name="TextBox 7">
+            <a:extLst>
+              <a:ext uri="{FF2B5EF4-FFF2-40B4-BE49-F238E27FC236}">
+                <a16:creationId xmlns:a16="http://schemas.microsoft.com/office/drawing/2014/main" id="{F085E0D7-FE23-BE1F-7A37-F1216C076348}"/>
+              </a:ext>
+            </a:extLst>
+          </p:cNvPr>
+          <p:cNvSpPr txBox="1"/>
+          <p:nvPr/>
+        </p:nvSpPr>
+        <p:spPr>
+          <a:xfrm>
+            <a:off x="3258150" y="4758453"/>
+            <a:ext cx="292068" cy="369332"/>
+          </a:xfrm>
+          <a:prstGeom prst="rect">
+            <a:avLst/>
+          </a:prstGeom>
+          <a:noFill/>
+        </p:spPr>
+        <p:txBody>
+          <a:bodyPr wrap="none" rtlCol="0">
+            <a:spAutoFit/>
+          </a:bodyPr>
+          <a:lstStyle/>
+          <a:p>
+            <a:r>
+              <a:rPr lang="en-US" dirty="0"/>
+              <a:t>Z</a:t>
+            </a:r>
+          </a:p>
+        </p:txBody>
+      </p:sp>
+      <p:sp>
+        <p:nvSpPr>
+          <p:cNvPr id="34" name="Rectangle 33">
+            <a:extLst>
+              <a:ext uri="{FF2B5EF4-FFF2-40B4-BE49-F238E27FC236}">
+                <a16:creationId xmlns:a16="http://schemas.microsoft.com/office/drawing/2014/main" id="{D0984187-9E58-F3FF-92C5-8CC95B8AD90E}"/>
+              </a:ext>
+            </a:extLst>
+          </p:cNvPr>
+          <p:cNvSpPr/>
+          <p:nvPr/>
+        </p:nvSpPr>
+        <p:spPr>
+          <a:xfrm>
+            <a:off x="7392575" y="2024679"/>
+            <a:ext cx="131488" cy="76200"/>
+          </a:xfrm>
+          <a:prstGeom prst="rect">
+            <a:avLst/>
+          </a:prstGeom>
+        </p:spPr>
+        <p:style>
+          <a:lnRef idx="2">
+            <a:schemeClr val="accent4">
+              <a:shade val="50000"/>
+            </a:schemeClr>
+          </a:lnRef>
+          <a:fillRef idx="1">
+            <a:schemeClr val="accent4"/>
+          </a:fillRef>
+          <a:effectRef idx="0">
+            <a:schemeClr val="accent4"/>
+          </a:effectRef>
+          <a:fontRef idx="minor">
+            <a:schemeClr val="lt1"/>
+          </a:fontRef>
+        </p:style>
+        <p:txBody>
+          <a:bodyPr rtlCol="0" anchor="ctr"/>
+          <a:lstStyle/>
+          <a:p>
+            <a:pPr algn="ctr"/>
+            <a:endParaRPr lang="en-US"/>
+          </a:p>
+        </p:txBody>
+      </p:sp>
+      <p:sp>
+        <p:nvSpPr>
+          <p:cNvPr id="35" name="Rectangle 34">
+            <a:extLst>
+              <a:ext uri="{FF2B5EF4-FFF2-40B4-BE49-F238E27FC236}">
+                <a16:creationId xmlns:a16="http://schemas.microsoft.com/office/drawing/2014/main" id="{EE176FBB-E8AB-6B65-F54A-6CA54C0DF197}"/>
+              </a:ext>
+            </a:extLst>
+          </p:cNvPr>
+          <p:cNvSpPr/>
+          <p:nvPr/>
+        </p:nvSpPr>
+        <p:spPr>
+          <a:xfrm>
+            <a:off x="7390651" y="2283759"/>
+            <a:ext cx="131488" cy="76200"/>
+          </a:xfrm>
+          <a:prstGeom prst="rect">
+            <a:avLst/>
+          </a:prstGeom>
+        </p:spPr>
+        <p:style>
+          <a:lnRef idx="2">
+            <a:schemeClr val="accent3">
+              <a:shade val="50000"/>
+            </a:schemeClr>
+          </a:lnRef>
+          <a:fillRef idx="1">
+            <a:schemeClr val="accent3"/>
+          </a:fillRef>
+          <a:effectRef idx="0">
+            <a:schemeClr val="accent3"/>
+          </a:effectRef>
+          <a:fontRef idx="minor">
+            <a:schemeClr val="lt1"/>
+          </a:fontRef>
+        </p:style>
+        <p:txBody>
+          <a:bodyPr rtlCol="0" anchor="ctr"/>
+          <a:lstStyle/>
+          <a:p>
+            <a:pPr algn="ctr"/>
+            <a:endParaRPr lang="en-US"/>
+          </a:p>
+        </p:txBody>
+      </p:sp>
+      <p:sp>
+        <p:nvSpPr>
+          <p:cNvPr id="37" name="TextBox 36">
+            <a:extLst>
+              <a:ext uri="{FF2B5EF4-FFF2-40B4-BE49-F238E27FC236}">
+                <a16:creationId xmlns:a16="http://schemas.microsoft.com/office/drawing/2014/main" id="{22D113A1-F6F0-4483-1DC1-D6EC4932FF87}"/>
+              </a:ext>
+            </a:extLst>
+          </p:cNvPr>
+          <p:cNvSpPr txBox="1"/>
+          <p:nvPr/>
+        </p:nvSpPr>
+        <p:spPr>
+          <a:xfrm>
+            <a:off x="7522139" y="1884542"/>
+            <a:ext cx="508473" cy="307777"/>
+          </a:xfrm>
+          <a:prstGeom prst="rect">
+            <a:avLst/>
+          </a:prstGeom>
+          <a:noFill/>
+        </p:spPr>
+        <p:txBody>
+          <a:bodyPr wrap="none" rtlCol="0">
+            <a:spAutoFit/>
+          </a:bodyPr>
+          <a:lstStyle/>
+          <a:p>
+            <a:r>
+              <a:rPr lang="en-US" sz="1400" dirty="0" err="1"/>
+              <a:t>prox</a:t>
+            </a:r>
+            <a:endParaRPr lang="en-US" sz="1400" dirty="0"/>
+          </a:p>
+        </p:txBody>
+      </p:sp>
+      <p:sp>
+        <p:nvSpPr>
+          <p:cNvPr id="38" name="TextBox 37">
+            <a:extLst>
+              <a:ext uri="{FF2B5EF4-FFF2-40B4-BE49-F238E27FC236}">
+                <a16:creationId xmlns:a16="http://schemas.microsoft.com/office/drawing/2014/main" id="{3A2FEBD5-6702-EF0A-D965-5F8265377B94}"/>
+              </a:ext>
+            </a:extLst>
+          </p:cNvPr>
+          <p:cNvSpPr txBox="1"/>
+          <p:nvPr/>
+        </p:nvSpPr>
+        <p:spPr>
+          <a:xfrm>
+            <a:off x="7522139" y="2129871"/>
+            <a:ext cx="452368" cy="307777"/>
+          </a:xfrm>
+          <a:prstGeom prst="rect">
+            <a:avLst/>
+          </a:prstGeom>
+          <a:noFill/>
+        </p:spPr>
+        <p:txBody>
+          <a:bodyPr wrap="none" rtlCol="0">
+            <a:spAutoFit/>
+          </a:bodyPr>
+          <a:lstStyle/>
+          <a:p>
+            <a:r>
+              <a:rPr lang="en-US" sz="1400" dirty="0"/>
+              <a:t>slot</a:t>
+            </a:r>
+          </a:p>
+        </p:txBody>
+      </p:sp>
+      <p:sp>
+        <p:nvSpPr>
+          <p:cNvPr id="39" name="Rectangle 38">
+            <a:extLst>
+              <a:ext uri="{FF2B5EF4-FFF2-40B4-BE49-F238E27FC236}">
+                <a16:creationId xmlns:a16="http://schemas.microsoft.com/office/drawing/2014/main" id="{B161D3FC-2670-18BB-C100-C165A6B35835}"/>
+              </a:ext>
+            </a:extLst>
+          </p:cNvPr>
+          <p:cNvSpPr/>
+          <p:nvPr/>
+        </p:nvSpPr>
+        <p:spPr>
+          <a:xfrm>
+            <a:off x="5417606" y="1834518"/>
+            <a:ext cx="131488" cy="76200"/>
+          </a:xfrm>
+          <a:prstGeom prst="rect">
+            <a:avLst/>
+          </a:prstGeom>
+        </p:spPr>
+        <p:style>
+          <a:lnRef idx="2">
+            <a:schemeClr val="accent3">
+              <a:shade val="50000"/>
+            </a:schemeClr>
+          </a:lnRef>
+          <a:fillRef idx="1">
+            <a:schemeClr val="accent3"/>
+          </a:fillRef>
+          <a:effectRef idx="0">
+            <a:schemeClr val="accent3"/>
+          </a:effectRef>
+          <a:fontRef idx="minor">
+            <a:schemeClr val="lt1"/>
+          </a:fontRef>
+        </p:style>
+        <p:txBody>
+          <a:bodyPr rtlCol="0" anchor="ctr"/>
+          <a:lstStyle/>
+          <a:p>
+            <a:pPr algn="ctr"/>
+            <a:endParaRPr lang="en-US"/>
+          </a:p>
+        </p:txBody>
+      </p:sp>
+      <p:sp>
+        <p:nvSpPr>
+          <p:cNvPr id="40" name="Rectangle 39">
+            <a:extLst>
+              <a:ext uri="{FF2B5EF4-FFF2-40B4-BE49-F238E27FC236}">
+                <a16:creationId xmlns:a16="http://schemas.microsoft.com/office/drawing/2014/main" id="{C9A0EDEC-10F8-7CCF-7834-8F712EA82977}"/>
+              </a:ext>
+            </a:extLst>
+          </p:cNvPr>
+          <p:cNvSpPr/>
+          <p:nvPr/>
+        </p:nvSpPr>
+        <p:spPr>
+          <a:xfrm>
+            <a:off x="1745092" y="1813346"/>
+            <a:ext cx="131488" cy="76200"/>
+          </a:xfrm>
+          <a:prstGeom prst="rect">
+            <a:avLst/>
+          </a:prstGeom>
+        </p:spPr>
+        <p:style>
+          <a:lnRef idx="2">
+            <a:schemeClr val="accent3">
+              <a:shade val="50000"/>
+            </a:schemeClr>
+          </a:lnRef>
+          <a:fillRef idx="1">
+            <a:schemeClr val="accent3"/>
+          </a:fillRef>
+          <a:effectRef idx="0">
+            <a:schemeClr val="accent3"/>
+          </a:effectRef>
+          <a:fontRef idx="minor">
+            <a:schemeClr val="lt1"/>
+          </a:fontRef>
+        </p:style>
+        <p:txBody>
+          <a:bodyPr rtlCol="0" anchor="ctr"/>
+          <a:lstStyle/>
+          <a:p>
+            <a:pPr algn="ctr"/>
+            <a:endParaRPr lang="en-US"/>
+          </a:p>
+        </p:txBody>
+      </p:sp>
+      <p:sp>
+        <p:nvSpPr>
+          <p:cNvPr id="41" name="Rectangle 40">
+            <a:extLst>
+              <a:ext uri="{FF2B5EF4-FFF2-40B4-BE49-F238E27FC236}">
+                <a16:creationId xmlns:a16="http://schemas.microsoft.com/office/drawing/2014/main" id="{1704DC34-583A-DC3A-9727-DEB7E0C4749F}"/>
+              </a:ext>
+            </a:extLst>
+          </p:cNvPr>
+          <p:cNvSpPr/>
+          <p:nvPr/>
+        </p:nvSpPr>
+        <p:spPr>
+          <a:xfrm>
+            <a:off x="5585773" y="4606693"/>
+            <a:ext cx="131488" cy="76200"/>
+          </a:xfrm>
+          <a:prstGeom prst="rect">
+            <a:avLst/>
+          </a:prstGeom>
+        </p:spPr>
+        <p:style>
+          <a:lnRef idx="2">
+            <a:schemeClr val="accent3">
+              <a:shade val="50000"/>
+            </a:schemeClr>
+          </a:lnRef>
+          <a:fillRef idx="1">
+            <a:schemeClr val="accent3"/>
+          </a:fillRef>
+          <a:effectRef idx="0">
+            <a:schemeClr val="accent3"/>
+          </a:effectRef>
+          <a:fontRef idx="minor">
+            <a:schemeClr val="lt1"/>
+          </a:fontRef>
+        </p:style>
+        <p:txBody>
+          <a:bodyPr rtlCol="0" anchor="ctr"/>
+          <a:lstStyle/>
+          <a:p>
+            <a:pPr algn="ctr"/>
+            <a:endParaRPr lang="en-US"/>
+          </a:p>
+        </p:txBody>
+      </p:sp>
+      <p:sp>
+        <p:nvSpPr>
+          <p:cNvPr id="42" name="Rectangle 41">
+            <a:extLst>
+              <a:ext uri="{FF2B5EF4-FFF2-40B4-BE49-F238E27FC236}">
+                <a16:creationId xmlns:a16="http://schemas.microsoft.com/office/drawing/2014/main" id="{0E7B7632-2503-0198-7819-F26511CCA45B}"/>
+              </a:ext>
+            </a:extLst>
+          </p:cNvPr>
+          <p:cNvSpPr/>
+          <p:nvPr/>
+        </p:nvSpPr>
+        <p:spPr>
+          <a:xfrm>
+            <a:off x="3425593" y="5286298"/>
+            <a:ext cx="131488" cy="76200"/>
+          </a:xfrm>
+          <a:prstGeom prst="rect">
+            <a:avLst/>
+          </a:prstGeom>
+        </p:spPr>
+        <p:style>
+          <a:lnRef idx="2">
+            <a:schemeClr val="accent4">
+              <a:shade val="50000"/>
+            </a:schemeClr>
+          </a:lnRef>
+          <a:fillRef idx="1">
+            <a:schemeClr val="accent4"/>
+          </a:fillRef>
+          <a:effectRef idx="0">
+            <a:schemeClr val="accent4"/>
+          </a:effectRef>
+          <a:fontRef idx="minor">
+            <a:schemeClr val="lt1"/>
+          </a:fontRef>
+        </p:style>
+        <p:txBody>
+          <a:bodyPr rtlCol="0" anchor="ctr"/>
+          <a:lstStyle/>
+          <a:p>
+            <a:pPr algn="ctr"/>
+            <a:endParaRPr lang="en-US"/>
+          </a:p>
+        </p:txBody>
+      </p:sp>
+      <p:sp>
+        <p:nvSpPr>
+          <p:cNvPr id="43" name="Rectangle 42">
+            <a:extLst>
+              <a:ext uri="{FF2B5EF4-FFF2-40B4-BE49-F238E27FC236}">
+                <a16:creationId xmlns:a16="http://schemas.microsoft.com/office/drawing/2014/main" id="{FCAA7B43-4EC7-CDC2-938F-1739641433A0}"/>
+              </a:ext>
+            </a:extLst>
+          </p:cNvPr>
+          <p:cNvSpPr/>
+          <p:nvPr/>
+        </p:nvSpPr>
+        <p:spPr>
+          <a:xfrm>
+            <a:off x="3425593" y="5187030"/>
+            <a:ext cx="131488" cy="76200"/>
+          </a:xfrm>
+          <a:prstGeom prst="rect">
+            <a:avLst/>
+          </a:prstGeom>
+        </p:spPr>
+        <p:style>
+          <a:lnRef idx="2">
+            <a:schemeClr val="accent4">
+              <a:shade val="50000"/>
+            </a:schemeClr>
+          </a:lnRef>
+          <a:fillRef idx="1">
+            <a:schemeClr val="accent4"/>
+          </a:fillRef>
+          <a:effectRef idx="0">
+            <a:schemeClr val="accent4"/>
+          </a:effectRef>
+          <a:fontRef idx="minor">
+            <a:schemeClr val="lt1"/>
+          </a:fontRef>
+        </p:style>
+        <p:txBody>
+          <a:bodyPr rtlCol="0" anchor="ctr"/>
+          <a:lstStyle/>
+          <a:p>
+            <a:pPr algn="ctr"/>
+            <a:endParaRPr lang="en-US"/>
+          </a:p>
+        </p:txBody>
+      </p:sp>
+      <p:sp>
+        <p:nvSpPr>
+          <p:cNvPr id="44" name="Rectangle 43">
+            <a:extLst>
+              <a:ext uri="{FF2B5EF4-FFF2-40B4-BE49-F238E27FC236}">
+                <a16:creationId xmlns:a16="http://schemas.microsoft.com/office/drawing/2014/main" id="{D68F8E8B-4B83-D134-9B16-3B78DD8E8A8E}"/>
+              </a:ext>
+            </a:extLst>
+          </p:cNvPr>
+          <p:cNvSpPr/>
+          <p:nvPr/>
+        </p:nvSpPr>
+        <p:spPr>
+          <a:xfrm>
+            <a:off x="3431150" y="5087420"/>
+            <a:ext cx="131488" cy="76200"/>
+          </a:xfrm>
+          <a:prstGeom prst="rect">
+            <a:avLst/>
+          </a:prstGeom>
+        </p:spPr>
+        <p:style>
+          <a:lnRef idx="2">
+            <a:schemeClr val="accent3">
+              <a:shade val="50000"/>
+            </a:schemeClr>
+          </a:lnRef>
+          <a:fillRef idx="1">
+            <a:schemeClr val="accent3"/>
+          </a:fillRef>
+          <a:effectRef idx="0">
+            <a:schemeClr val="accent3"/>
+          </a:effectRef>
+          <a:fontRef idx="minor">
+            <a:schemeClr val="lt1"/>
+          </a:fontRef>
+        </p:style>
+        <p:txBody>
+          <a:bodyPr rtlCol="0" anchor="ctr"/>
+          <a:lstStyle/>
+          <a:p>
+            <a:pPr algn="ctr"/>
+            <a:endParaRPr lang="en-US"/>
+          </a:p>
+        </p:txBody>
+      </p:sp>
+      <p:sp>
+        <p:nvSpPr>
+          <p:cNvPr id="45" name="TextBox 44">
+            <a:extLst>
+              <a:ext uri="{FF2B5EF4-FFF2-40B4-BE49-F238E27FC236}">
+                <a16:creationId xmlns:a16="http://schemas.microsoft.com/office/drawing/2014/main" id="{2E8F3C51-B1B4-DFA1-8172-B383553156E8}"/>
+              </a:ext>
+            </a:extLst>
+          </p:cNvPr>
+          <p:cNvSpPr txBox="1"/>
+          <p:nvPr/>
+        </p:nvSpPr>
+        <p:spPr>
+          <a:xfrm>
+            <a:off x="1243820" y="6011030"/>
+            <a:ext cx="231154" cy="200055"/>
+          </a:xfrm>
+          <a:prstGeom prst="rect">
+            <a:avLst/>
+          </a:prstGeom>
+          <a:noFill/>
+        </p:spPr>
+        <p:txBody>
+          <a:bodyPr wrap="none" rtlCol="0">
+            <a:spAutoFit/>
+          </a:bodyPr>
+          <a:lstStyle/>
+          <a:p>
+            <a:r>
+              <a:rPr lang="en-US" sz="700" dirty="0"/>
+              <a:t>X</a:t>
+            </a:r>
+          </a:p>
+        </p:txBody>
+      </p:sp>
+      <p:sp>
+        <p:nvSpPr>
+          <p:cNvPr id="46" name="TextBox 45">
+            <a:extLst>
+              <a:ext uri="{FF2B5EF4-FFF2-40B4-BE49-F238E27FC236}">
+                <a16:creationId xmlns:a16="http://schemas.microsoft.com/office/drawing/2014/main" id="{25F8B3F0-D609-F90F-E30B-0D9B8F4DDFDD}"/>
+              </a:ext>
+            </a:extLst>
+          </p:cNvPr>
+          <p:cNvSpPr txBox="1"/>
+          <p:nvPr/>
+        </p:nvSpPr>
+        <p:spPr>
+          <a:xfrm>
+            <a:off x="952467" y="5583855"/>
+            <a:ext cx="227948" cy="200055"/>
+          </a:xfrm>
+          <a:prstGeom prst="rect">
+            <a:avLst/>
+          </a:prstGeom>
+          <a:noFill/>
+        </p:spPr>
+        <p:txBody>
+          <a:bodyPr wrap="none" rtlCol="0">
+            <a:spAutoFit/>
+          </a:bodyPr>
+          <a:lstStyle/>
+          <a:p>
+            <a:r>
+              <a:rPr lang="en-US" sz="700" dirty="0"/>
+              <a:t>Y</a:t>
+            </a:r>
+          </a:p>
+        </p:txBody>
+      </p:sp>
+      <p:sp>
+        <p:nvSpPr>
+          <p:cNvPr id="47" name="TextBox 46">
+            <a:extLst>
+              <a:ext uri="{FF2B5EF4-FFF2-40B4-BE49-F238E27FC236}">
+                <a16:creationId xmlns:a16="http://schemas.microsoft.com/office/drawing/2014/main" id="{5AD604D5-B7CB-D534-89AA-9E88DB54BA16}"/>
+              </a:ext>
+            </a:extLst>
+          </p:cNvPr>
+          <p:cNvSpPr txBox="1"/>
+          <p:nvPr/>
+        </p:nvSpPr>
+        <p:spPr>
+          <a:xfrm>
+            <a:off x="3095760" y="4915467"/>
+            <a:ext cx="258404" cy="200055"/>
+          </a:xfrm>
+          <a:prstGeom prst="rect">
+            <a:avLst/>
+          </a:prstGeom>
+          <a:noFill/>
+        </p:spPr>
+        <p:txBody>
+          <a:bodyPr wrap="none" rtlCol="0">
+            <a:spAutoFit/>
+          </a:bodyPr>
+          <a:lstStyle/>
+          <a:p>
+            <a:r>
+              <a:rPr lang="en-US" sz="700" dirty="0"/>
+              <a:t>X-</a:t>
+            </a:r>
+          </a:p>
+        </p:txBody>
+      </p:sp>
+      <p:sp>
+        <p:nvSpPr>
+          <p:cNvPr id="48" name="TextBox 47">
+            <a:extLst>
+              <a:ext uri="{FF2B5EF4-FFF2-40B4-BE49-F238E27FC236}">
+                <a16:creationId xmlns:a16="http://schemas.microsoft.com/office/drawing/2014/main" id="{F0B759D4-D918-4D8C-C85D-CEB18C72772D}"/>
+              </a:ext>
+            </a:extLst>
+          </p:cNvPr>
+          <p:cNvSpPr txBox="1"/>
+          <p:nvPr/>
+        </p:nvSpPr>
+        <p:spPr>
+          <a:xfrm>
+            <a:off x="3530946" y="4922263"/>
+            <a:ext cx="276038" cy="200055"/>
+          </a:xfrm>
+          <a:prstGeom prst="rect">
+            <a:avLst/>
+          </a:prstGeom>
+          <a:noFill/>
+        </p:spPr>
+        <p:txBody>
+          <a:bodyPr wrap="none" rtlCol="0">
+            <a:spAutoFit/>
+          </a:bodyPr>
+          <a:lstStyle/>
+          <a:p>
+            <a:r>
+              <a:rPr lang="en-US" sz="700" dirty="0"/>
+              <a:t>X+</a:t>
+            </a:r>
+          </a:p>
+        </p:txBody>
+      </p:sp>
+      <p:sp>
+        <p:nvSpPr>
+          <p:cNvPr id="49" name="TextBox 48">
+            <a:extLst>
+              <a:ext uri="{FF2B5EF4-FFF2-40B4-BE49-F238E27FC236}">
+                <a16:creationId xmlns:a16="http://schemas.microsoft.com/office/drawing/2014/main" id="{95669FF7-1C2E-8AD0-2339-00EBFEB49449}"/>
+              </a:ext>
+            </a:extLst>
+          </p:cNvPr>
+          <p:cNvSpPr txBox="1"/>
+          <p:nvPr/>
+        </p:nvSpPr>
+        <p:spPr>
+          <a:xfrm>
+            <a:off x="5311846" y="4800905"/>
+            <a:ext cx="255198" cy="200055"/>
+          </a:xfrm>
+          <a:prstGeom prst="rect">
+            <a:avLst/>
+          </a:prstGeom>
+          <a:noFill/>
+        </p:spPr>
+        <p:txBody>
+          <a:bodyPr wrap="none" rtlCol="0">
+            <a:spAutoFit/>
+          </a:bodyPr>
+          <a:lstStyle/>
+          <a:p>
+            <a:r>
+              <a:rPr lang="en-US" sz="700" dirty="0"/>
+              <a:t>Y-</a:t>
+            </a:r>
+          </a:p>
+        </p:txBody>
+      </p:sp>
+      <p:sp>
+        <p:nvSpPr>
+          <p:cNvPr id="50" name="TextBox 49">
+            <a:extLst>
+              <a:ext uri="{FF2B5EF4-FFF2-40B4-BE49-F238E27FC236}">
+                <a16:creationId xmlns:a16="http://schemas.microsoft.com/office/drawing/2014/main" id="{1E4DA98A-445A-E6D1-37F2-34D505EAC9EF}"/>
+              </a:ext>
+            </a:extLst>
+          </p:cNvPr>
+          <p:cNvSpPr txBox="1"/>
+          <p:nvPr/>
+        </p:nvSpPr>
+        <p:spPr>
+          <a:xfrm>
+            <a:off x="5311630" y="4558398"/>
+            <a:ext cx="272832" cy="200055"/>
+          </a:xfrm>
+          <a:prstGeom prst="rect">
+            <a:avLst/>
+          </a:prstGeom>
+          <a:noFill/>
+        </p:spPr>
+        <p:txBody>
+          <a:bodyPr wrap="none" rtlCol="0">
+            <a:spAutoFit/>
+          </a:bodyPr>
+          <a:lstStyle/>
+          <a:p>
+            <a:r>
+              <a:rPr lang="en-US" sz="700" dirty="0"/>
+              <a:t>Y+</a:t>
+            </a:r>
+          </a:p>
+        </p:txBody>
+      </p:sp>
+      <p:sp>
+        <p:nvSpPr>
+          <p:cNvPr id="51" name="TextBox 50">
+            <a:extLst>
+              <a:ext uri="{FF2B5EF4-FFF2-40B4-BE49-F238E27FC236}">
+                <a16:creationId xmlns:a16="http://schemas.microsoft.com/office/drawing/2014/main" id="{F729F2A7-43D2-157C-D466-293C19C6918D}"/>
+              </a:ext>
+            </a:extLst>
+          </p:cNvPr>
+          <p:cNvSpPr txBox="1"/>
+          <p:nvPr/>
+        </p:nvSpPr>
+        <p:spPr>
+          <a:xfrm>
+            <a:off x="3353757" y="5219590"/>
+            <a:ext cx="253596" cy="200055"/>
+          </a:xfrm>
+          <a:prstGeom prst="rect">
+            <a:avLst/>
+          </a:prstGeom>
+          <a:noFill/>
+        </p:spPr>
+        <p:txBody>
+          <a:bodyPr wrap="none" rtlCol="0">
+            <a:spAutoFit/>
+          </a:bodyPr>
+          <a:lstStyle/>
+          <a:p>
+            <a:r>
+              <a:rPr lang="en-US" sz="700" dirty="0"/>
+              <a:t>Z-</a:t>
+            </a:r>
+          </a:p>
+        </p:txBody>
+      </p:sp>
+      <p:sp>
+        <p:nvSpPr>
+          <p:cNvPr id="52" name="TextBox 51">
+            <a:extLst>
+              <a:ext uri="{FF2B5EF4-FFF2-40B4-BE49-F238E27FC236}">
+                <a16:creationId xmlns:a16="http://schemas.microsoft.com/office/drawing/2014/main" id="{20D3B67E-A6E1-C65C-AD90-4B99266E8880}"/>
+              </a:ext>
+            </a:extLst>
+          </p:cNvPr>
+          <p:cNvSpPr txBox="1"/>
+          <p:nvPr/>
+        </p:nvSpPr>
+        <p:spPr>
+          <a:xfrm>
+            <a:off x="3346048" y="5129012"/>
+            <a:ext cx="271228" cy="200055"/>
+          </a:xfrm>
+          <a:prstGeom prst="rect">
+            <a:avLst/>
+          </a:prstGeom>
+          <a:noFill/>
+        </p:spPr>
+        <p:txBody>
+          <a:bodyPr wrap="none" rtlCol="0">
+            <a:spAutoFit/>
+          </a:bodyPr>
+          <a:lstStyle/>
+          <a:p>
+            <a:r>
+              <a:rPr lang="en-US" sz="700" dirty="0"/>
+              <a:t>Z+</a:t>
+            </a:r>
+          </a:p>
+        </p:txBody>
+      </p:sp>
+      <p:sp>
+        <p:nvSpPr>
+          <p:cNvPr id="53" name="TextBox 52">
+            <a:extLst>
+              <a:ext uri="{FF2B5EF4-FFF2-40B4-BE49-F238E27FC236}">
+                <a16:creationId xmlns:a16="http://schemas.microsoft.com/office/drawing/2014/main" id="{C7A36221-A9CE-C818-6141-4915819218FB}"/>
+              </a:ext>
+            </a:extLst>
+          </p:cNvPr>
+          <p:cNvSpPr txBox="1"/>
+          <p:nvPr/>
+        </p:nvSpPr>
+        <p:spPr>
+          <a:xfrm>
+            <a:off x="5520124" y="4546995"/>
+            <a:ext cx="276038" cy="200055"/>
+          </a:xfrm>
+          <a:prstGeom prst="rect">
+            <a:avLst/>
+          </a:prstGeom>
+          <a:noFill/>
+        </p:spPr>
+        <p:txBody>
+          <a:bodyPr wrap="none" rtlCol="0">
+            <a:spAutoFit/>
+          </a:bodyPr>
+          <a:lstStyle/>
+          <a:p>
+            <a:r>
+              <a:rPr lang="en-US" sz="700" dirty="0"/>
+              <a:t>X0</a:t>
+            </a:r>
+          </a:p>
+        </p:txBody>
+      </p:sp>
+      <p:sp>
+        <p:nvSpPr>
+          <p:cNvPr id="54" name="TextBox 53">
+            <a:extLst>
+              <a:ext uri="{FF2B5EF4-FFF2-40B4-BE49-F238E27FC236}">
+                <a16:creationId xmlns:a16="http://schemas.microsoft.com/office/drawing/2014/main" id="{C3304E42-5AC4-C0A8-87EA-5439395591E7}"/>
+              </a:ext>
+            </a:extLst>
+          </p:cNvPr>
+          <p:cNvSpPr txBox="1"/>
+          <p:nvPr/>
+        </p:nvSpPr>
+        <p:spPr>
+          <a:xfrm>
+            <a:off x="3354931" y="5029866"/>
+            <a:ext cx="271228" cy="200055"/>
+          </a:xfrm>
+          <a:prstGeom prst="rect">
+            <a:avLst/>
+          </a:prstGeom>
+          <a:noFill/>
+        </p:spPr>
+        <p:txBody>
+          <a:bodyPr wrap="none" rtlCol="0">
+            <a:spAutoFit/>
+          </a:bodyPr>
+          <a:lstStyle/>
+          <a:p>
+            <a:r>
+              <a:rPr lang="en-US" sz="700" dirty="0"/>
+              <a:t>Z0</a:t>
+            </a:r>
+          </a:p>
+        </p:txBody>
+      </p:sp>
+      <p:sp>
+        <p:nvSpPr>
+          <p:cNvPr id="55" name="TextBox 54">
+            <a:extLst>
+              <a:ext uri="{FF2B5EF4-FFF2-40B4-BE49-F238E27FC236}">
+                <a16:creationId xmlns:a16="http://schemas.microsoft.com/office/drawing/2014/main" id="{30588141-7F7D-0458-B184-AE672BACBE8B}"/>
+              </a:ext>
+            </a:extLst>
+          </p:cNvPr>
+          <p:cNvSpPr txBox="1"/>
+          <p:nvPr/>
+        </p:nvSpPr>
+        <p:spPr>
+          <a:xfrm>
+            <a:off x="1640795" y="1752776"/>
+            <a:ext cx="338554" cy="200055"/>
+          </a:xfrm>
+          <a:prstGeom prst="rect">
+            <a:avLst/>
+          </a:prstGeom>
+          <a:noFill/>
+        </p:spPr>
+        <p:txBody>
+          <a:bodyPr wrap="none" rtlCol="0">
+            <a:spAutoFit/>
+          </a:bodyPr>
+          <a:lstStyle/>
+          <a:p>
+            <a:r>
+              <a:rPr lang="en-US" sz="700" dirty="0"/>
+              <a:t>Y2 0</a:t>
+            </a:r>
+          </a:p>
+        </p:txBody>
+      </p:sp>
+      <p:sp>
+        <p:nvSpPr>
+          <p:cNvPr id="56" name="TextBox 55">
+            <a:extLst>
+              <a:ext uri="{FF2B5EF4-FFF2-40B4-BE49-F238E27FC236}">
+                <a16:creationId xmlns:a16="http://schemas.microsoft.com/office/drawing/2014/main" id="{8E0B39DC-835A-2C79-54E6-74A481C655B1}"/>
+              </a:ext>
+            </a:extLst>
+          </p:cNvPr>
+          <p:cNvSpPr txBox="1"/>
+          <p:nvPr/>
+        </p:nvSpPr>
+        <p:spPr>
+          <a:xfrm>
+            <a:off x="5306506" y="1776348"/>
+            <a:ext cx="338554" cy="200055"/>
+          </a:xfrm>
+          <a:prstGeom prst="rect">
+            <a:avLst/>
+          </a:prstGeom>
+          <a:noFill/>
+        </p:spPr>
+        <p:txBody>
+          <a:bodyPr wrap="none" rtlCol="0">
+            <a:spAutoFit/>
+          </a:bodyPr>
+          <a:lstStyle/>
+          <a:p>
+            <a:r>
+              <a:rPr lang="en-US" sz="700" dirty="0"/>
+              <a:t>Y1 0</a:t>
+            </a:r>
+          </a:p>
+        </p:txBody>
+      </p:sp>
+      <p:sp>
+        <p:nvSpPr>
+          <p:cNvPr id="57" name="Rectangle 56">
+            <a:extLst>
+              <a:ext uri="{FF2B5EF4-FFF2-40B4-BE49-F238E27FC236}">
+                <a16:creationId xmlns:a16="http://schemas.microsoft.com/office/drawing/2014/main" id="{042E7171-6731-F15A-B934-1DEF0746FCD0}"/>
+              </a:ext>
+            </a:extLst>
+          </p:cNvPr>
+          <p:cNvSpPr/>
+          <p:nvPr/>
+        </p:nvSpPr>
+        <p:spPr>
+          <a:xfrm>
+            <a:off x="5686693" y="6211085"/>
+            <a:ext cx="123010" cy="165847"/>
+          </a:xfrm>
+          <a:prstGeom prst="rect">
+            <a:avLst/>
+          </a:prstGeom>
+          <a:solidFill>
+            <a:srgbClr val="FFFF00"/>
+          </a:solidFill>
+          <a:ln>
+            <a:solidFill>
+              <a:srgbClr val="FF0000"/>
+            </a:solidFill>
+          </a:ln>
+        </p:spPr>
+        <p:style>
+          <a:lnRef idx="2">
+            <a:schemeClr val="accent1">
+              <a:shade val="50000"/>
+            </a:schemeClr>
+          </a:lnRef>
+          <a:fillRef idx="1">
+            <a:schemeClr val="accent1"/>
+          </a:fillRef>
+          <a:effectRef idx="0">
+            <a:schemeClr val="accent1"/>
+          </a:effectRef>
+          <a:fontRef idx="minor">
+            <a:schemeClr val="lt1"/>
+          </a:fontRef>
+        </p:style>
+        <p:txBody>
+          <a:bodyPr rtlCol="0" anchor="ctr"/>
+          <a:lstStyle/>
+          <a:p>
+            <a:pPr algn="ctr"/>
+            <a:endParaRPr lang="en-US"/>
+          </a:p>
+        </p:txBody>
+      </p:sp>
+      <p:sp>
+        <p:nvSpPr>
+          <p:cNvPr id="58" name="Rectangle 57">
+            <a:extLst>
+              <a:ext uri="{FF2B5EF4-FFF2-40B4-BE49-F238E27FC236}">
+                <a16:creationId xmlns:a16="http://schemas.microsoft.com/office/drawing/2014/main" id="{C62BDC02-0743-D490-107B-448503F34388}"/>
+              </a:ext>
+            </a:extLst>
+          </p:cNvPr>
+          <p:cNvSpPr/>
+          <p:nvPr/>
+        </p:nvSpPr>
+        <p:spPr>
+          <a:xfrm>
+            <a:off x="3531799" y="4685627"/>
+            <a:ext cx="213360" cy="252557"/>
+          </a:xfrm>
+          <a:prstGeom prst="rect">
+            <a:avLst/>
+          </a:prstGeom>
+          <a:pattFill prst="ltHorz">
+            <a:fgClr>
+              <a:schemeClr val="accent1"/>
+            </a:fgClr>
+            <a:bgClr>
+              <a:schemeClr val="bg1"/>
+            </a:bgClr>
+          </a:pattFill>
+        </p:spPr>
+        <p:style>
+          <a:lnRef idx="2">
+            <a:schemeClr val="accent1">
+              <a:shade val="50000"/>
+            </a:schemeClr>
+          </a:lnRef>
+          <a:fillRef idx="1">
+            <a:schemeClr val="accent1"/>
+          </a:fillRef>
+          <a:effectRef idx="0">
+            <a:schemeClr val="accent1"/>
+          </a:effectRef>
+          <a:fontRef idx="minor">
+            <a:schemeClr val="lt1"/>
+          </a:fontRef>
+        </p:style>
+        <p:txBody>
+          <a:bodyPr rtlCol="0" anchor="ctr"/>
+          <a:lstStyle/>
+          <a:p>
+            <a:pPr algn="ctr"/>
             <a:endParaRPr lang="en-US"/>
           </a:p>
         </p:txBody>
